--- a/presentaciones/S01-New/00_Inicio.pptx
+++ b/presentaciones/S01-New/00_Inicio.pptx
@@ -1,6 +1,6 @@
 
 <file path=ppt/presentation.xml><?xml version="1.0" encoding="utf-8"?>
-<p:presentation xmlns:a="http://schemas.openxmlformats.org/drawingml/2006/main" xmlns:p="http://schemas.openxmlformats.org/presentationml/2006/main" xmlns:r="http://schemas.openxmlformats.org/officeDocument/2006/relationships" autoCompressPictures="0" saveSubsetFonts="1">
+<p:presentation xmlns:a="http://schemas.openxmlformats.org/drawingml/2006/main" xmlns:p="http://schemas.openxmlformats.org/presentationml/2006/main" xmlns:r="http://schemas.openxmlformats.org/officeDocument/2006/relationships" saveSubsetFonts="1">
   <p:sldMasterIdLst>
     <p:sldMasterId id="2147483648" r:id="rId1"/>
   </p:sldMasterIdLst>
@@ -10,13 +10,13 @@
     <p:sldId id="258" r:id="rId4"/>
     <p:sldId id="259" r:id="rId5"/>
   </p:sldIdLst>
-  <p:sldSz cx="9144000" cy="5143500" type="screen16x9"/>
+  <p:sldSz cx="12192000" cy="6858000"/>
   <p:notesSz cx="6858000" cy="9144000"/>
   <p:defaultTextStyle>
     <a:defPPr>
-      <a:defRPr lang="en-US"/>
+      <a:defRPr lang="es-ES"/>
     </a:defPPr>
-    <a:lvl1pPr algn="l" defTabSz="457200" eaLnBrk="1" hangingPunct="1" latinLnBrk="0" marL="0" rtl="0">
+    <a:lvl1pPr algn="l" defTabSz="914400" eaLnBrk="1" hangingPunct="1" latinLnBrk="0" marL="0" rtl="0">
       <a:defRPr kern="1200" sz="1800">
         <a:solidFill>
           <a:schemeClr val="tx1"/>
@@ -26,7 +26,7 @@
         <a:cs typeface="+mn-cs"/>
       </a:defRPr>
     </a:lvl1pPr>
-    <a:lvl2pPr algn="l" defTabSz="457200" eaLnBrk="1" hangingPunct="1" latinLnBrk="0" marL="457200" rtl="0">
+    <a:lvl2pPr algn="l" defTabSz="914400" eaLnBrk="1" hangingPunct="1" latinLnBrk="0" marL="457200" rtl="0">
       <a:defRPr kern="1200" sz="1800">
         <a:solidFill>
           <a:schemeClr val="tx1"/>
@@ -36,7 +36,7 @@
         <a:cs typeface="+mn-cs"/>
       </a:defRPr>
     </a:lvl2pPr>
-    <a:lvl3pPr algn="l" defTabSz="457200" eaLnBrk="1" hangingPunct="1" latinLnBrk="0" marL="914400" rtl="0">
+    <a:lvl3pPr algn="l" defTabSz="914400" eaLnBrk="1" hangingPunct="1" latinLnBrk="0" marL="914400" rtl="0">
       <a:defRPr kern="1200" sz="1800">
         <a:solidFill>
           <a:schemeClr val="tx1"/>
@@ -46,7 +46,7 @@
         <a:cs typeface="+mn-cs"/>
       </a:defRPr>
     </a:lvl3pPr>
-    <a:lvl4pPr algn="l" defTabSz="457200" eaLnBrk="1" hangingPunct="1" latinLnBrk="0" marL="1371600" rtl="0">
+    <a:lvl4pPr algn="l" defTabSz="914400" eaLnBrk="1" hangingPunct="1" latinLnBrk="0" marL="1371600" rtl="0">
       <a:defRPr kern="1200" sz="1800">
         <a:solidFill>
           <a:schemeClr val="tx1"/>
@@ -56,7 +56,7 @@
         <a:cs typeface="+mn-cs"/>
       </a:defRPr>
     </a:lvl4pPr>
-    <a:lvl5pPr algn="l" defTabSz="457200" eaLnBrk="1" hangingPunct="1" latinLnBrk="0" marL="1828800" rtl="0">
+    <a:lvl5pPr algn="l" defTabSz="914400" eaLnBrk="1" hangingPunct="1" latinLnBrk="0" marL="1828800" rtl="0">
       <a:defRPr kern="1200" sz="1800">
         <a:solidFill>
           <a:schemeClr val="tx1"/>
@@ -66,7 +66,7 @@
         <a:cs typeface="+mn-cs"/>
       </a:defRPr>
     </a:lvl5pPr>
-    <a:lvl6pPr algn="l" defTabSz="457200" eaLnBrk="1" hangingPunct="1" latinLnBrk="0" marL="2286000" rtl="0">
+    <a:lvl6pPr algn="l" defTabSz="914400" eaLnBrk="1" hangingPunct="1" latinLnBrk="0" marL="2286000" rtl="0">
       <a:defRPr kern="1200" sz="1800">
         <a:solidFill>
           <a:schemeClr val="tx1"/>
@@ -76,7 +76,7 @@
         <a:cs typeface="+mn-cs"/>
       </a:defRPr>
     </a:lvl6pPr>
-    <a:lvl7pPr algn="l" defTabSz="457200" eaLnBrk="1" hangingPunct="1" latinLnBrk="0" marL="2743200" rtl="0">
+    <a:lvl7pPr algn="l" defTabSz="914400" eaLnBrk="1" hangingPunct="1" latinLnBrk="0" marL="2743200" rtl="0">
       <a:defRPr kern="1200" sz="1800">
         <a:solidFill>
           <a:schemeClr val="tx1"/>
@@ -86,7 +86,7 @@
         <a:cs typeface="+mn-cs"/>
       </a:defRPr>
     </a:lvl7pPr>
-    <a:lvl8pPr algn="l" defTabSz="457200" eaLnBrk="1" hangingPunct="1" latinLnBrk="0" marL="3200400" rtl="0">
+    <a:lvl8pPr algn="l" defTabSz="914400" eaLnBrk="1" hangingPunct="1" latinLnBrk="0" marL="3200400" rtl="0">
       <a:defRPr kern="1200" sz="1800">
         <a:solidFill>
           <a:schemeClr val="tx1"/>
@@ -96,7 +96,7 @@
         <a:cs typeface="+mn-cs"/>
       </a:defRPr>
     </a:lvl8pPr>
-    <a:lvl9pPr algn="l" defTabSz="457200" eaLnBrk="1" hangingPunct="1" latinLnBrk="0" marL="3657600" rtl="0">
+    <a:lvl9pPr algn="l" defTabSz="914400" eaLnBrk="1" hangingPunct="1" latinLnBrk="0" marL="3657600" rtl="0">
       <a:defRPr kern="1200" sz="1800">
         <a:solidFill>
           <a:schemeClr val="tx1"/>
@@ -109,18 +109,7 @@
   </p:defaultTextStyle>
   <p:extLst>
     <p:ext uri="{EFAFB233-063F-42B5-8137-9DF3F51BA10A}">
-      <p15:sldGuideLst xmlns:p15="http://schemas.microsoft.com/office/powerpoint/2012/main">
-        <p15:guide id="1" orient="horz" pos="1620" userDrawn="1">
-          <p15:clr>
-            <a:srgbClr val="A4A3A4"/>
-          </p15:clr>
-        </p15:guide>
-        <p15:guide id="2" pos="2880" userDrawn="1">
-          <p15:clr>
-            <a:srgbClr val="A4A3A4"/>
-          </p15:clr>
-        </p15:guide>
-      </p15:sldGuideLst>
+      <p15:sldGuideLst xmlns:p15="http://schemas.microsoft.com/office/powerpoint/2012/main"/>
     </p:ext>
   </p:extLst>
 </p:presentation>
@@ -368,7 +357,7 @@
 
 <file path=ppt/slideLayouts/slideLayout10.xml><?xml version="1.0" encoding="utf-8"?>
 <p:sldLayout xmlns:a="http://schemas.openxmlformats.org/drawingml/2006/main" xmlns:r="http://schemas.openxmlformats.org/officeDocument/2006/relationships" xmlns:p="http://schemas.openxmlformats.org/presentationml/2006/main" type="vertTx" preserve="1">
-  <p:cSld name="Title and Vertical Text">
+  <p:cSld name="Título y texto vertical">
     <p:spTree>
       <p:nvGrpSpPr>
         <p:cNvPr id="1" name=""/>
@@ -385,7 +374,7 @@
       </p:grpSpPr>
       <p:sp>
         <p:nvSpPr>
-          <p:cNvPr id="2" name="Title 1"/>
+          <p:cNvPr id="2" name="Título 1"/>
           <p:cNvSpPr>
             <a:spLocks noGrp="1"/>
           </p:cNvSpPr>
@@ -399,15 +388,15 @@
           <a:lstStyle/>
           <a:p>
             <a:r>
-              <a:rPr lang="en-US"/>
-              <a:t>Click to edit Master title style</a:t>
-            </a:r>
-          </a:p>
-        </p:txBody>
-      </p:sp>
-      <p:sp>
-        <p:nvSpPr>
-          <p:cNvPr id="3" name="Vertical Text Placeholder 2"/>
+              <a:rPr lang="es-ES"/>
+              <a:t>Haga clic para modificar el estilo de título del patrón</a:t>
+            </a:r>
+          </a:p>
+        </p:txBody>
+      </p:sp>
+      <p:sp>
+        <p:nvSpPr>
+          <p:cNvPr id="3" name="Marcador de texto vertical 2"/>
           <p:cNvSpPr>
             <a:spLocks noGrp="1"/>
           </p:cNvSpPr>
@@ -422,43 +411,43 @@
           <a:p>
             <a:pPr lvl="0"/>
             <a:r>
-              <a:rPr lang="en-US"/>
-              <a:t>Click to edit Master text styles</a:t>
+              <a:rPr lang="es-ES"/>
+              <a:t>Haga clic para modificar el estilo de texto del patrón</a:t>
             </a:r>
           </a:p>
           <a:p>
             <a:pPr lvl="1"/>
             <a:r>
-              <a:rPr lang="en-US"/>
-              <a:t>Second level</a:t>
+              <a:rPr lang="es-ES"/>
+              <a:t>Segundo nivel</a:t>
             </a:r>
           </a:p>
           <a:p>
             <a:pPr lvl="2"/>
             <a:r>
-              <a:rPr lang="en-US"/>
-              <a:t>Third level</a:t>
+              <a:rPr lang="es-ES"/>
+              <a:t>Tercer nivel</a:t>
             </a:r>
           </a:p>
           <a:p>
             <a:pPr lvl="3"/>
             <a:r>
-              <a:rPr lang="en-US"/>
-              <a:t>Fourth level</a:t>
+              <a:rPr lang="es-ES"/>
+              <a:t>Cuarto nivel</a:t>
             </a:r>
           </a:p>
           <a:p>
             <a:pPr lvl="4"/>
             <a:r>
-              <a:rPr lang="en-US"/>
-              <a:t>Fifth level</a:t>
-            </a:r>
-          </a:p>
-        </p:txBody>
-      </p:sp>
-      <p:sp>
-        <p:nvSpPr>
-          <p:cNvPr id="4" name="Date Placeholder 3"/>
+              <a:rPr lang="es-ES"/>
+              <a:t>Quinto nivel</a:t>
+            </a:r>
+          </a:p>
+        </p:txBody>
+      </p:sp>
+      <p:sp>
+        <p:nvSpPr>
+          <p:cNvPr id="4" name="Marcador de fecha 3"/>
           <p:cNvSpPr>
             <a:spLocks noGrp="1"/>
           </p:cNvSpPr>
@@ -471,17 +460,17 @@
           <a:bodyPr/>
           <a:lstStyle/>
           <a:p>
-            <a:fld id="{241EB5C9-1307-BA42-ABA2-0BC069CD8E7F}" type="datetimeFigureOut">
-              <a:rPr lang="en-US" smtClean="0"/>
-              <a:t>1/2/22</a:t>
+            <a:fld id="{40771E8B-6CA5-40B2-8038-0E112F3DAC1C}" type="datetimeFigureOut">
+              <a:rPr lang="es-ES" smtClean="0"/>
+              <a:t>20/01/2023</a:t>
             </a:fld>
-            <a:endParaRPr lang="en-US"/>
-          </a:p>
-        </p:txBody>
-      </p:sp>
-      <p:sp>
-        <p:nvSpPr>
-          <p:cNvPr id="5" name="Footer Placeholder 4"/>
+            <a:endParaRPr lang="es-ES"/>
+          </a:p>
+        </p:txBody>
+      </p:sp>
+      <p:sp>
+        <p:nvSpPr>
+          <p:cNvPr id="5" name="Marcador de pie de página 4"/>
           <p:cNvSpPr>
             <a:spLocks noGrp="1"/>
           </p:cNvSpPr>
@@ -494,13 +483,13 @@
           <a:bodyPr/>
           <a:lstStyle/>
           <a:p>
-            <a:endParaRPr lang="en-US"/>
-          </a:p>
-        </p:txBody>
-      </p:sp>
-      <p:sp>
-        <p:nvSpPr>
-          <p:cNvPr id="6" name="Slide Number Placeholder 5"/>
+            <a:endParaRPr lang="es-ES"/>
+          </a:p>
+        </p:txBody>
+      </p:sp>
+      <p:sp>
+        <p:nvSpPr>
+          <p:cNvPr id="6" name="Marcador de número de diapositiva 5"/>
           <p:cNvSpPr>
             <a:spLocks noGrp="1"/>
           </p:cNvSpPr>
@@ -513,18 +502,18 @@
           <a:bodyPr/>
           <a:lstStyle/>
           <a:p>
-            <a:fld id="{C5EF2332-01BF-834F-8236-50238282D533}" type="slidenum">
-              <a:rPr lang="en-US" smtClean="0"/>
-              <a:t>‹#›</a:t>
+            <a:fld id="{0F1556C4-DFC3-4611-A7CC-780699185E26}" type="slidenum">
+              <a:rPr lang="es-ES" smtClean="0"/>
+              <a:t>‹Nº›</a:t>
             </a:fld>
-            <a:endParaRPr lang="en-US"/>
+            <a:endParaRPr lang="es-ES"/>
           </a:p>
         </p:txBody>
       </p:sp>
     </p:spTree>
     <p:extLst>
       <p:ext uri="{BB962C8B-B14F-4D97-AF65-F5344CB8AC3E}">
-        <p14:creationId xmlns:p14="http://schemas.microsoft.com/office/powerpoint/2010/main" val="313914798"/>
+        <p14:creationId xmlns:p14="http://schemas.microsoft.com/office/powerpoint/2010/main" val="541863252"/>
       </p:ext>
     </p:extLst>
   </p:cSld>
@@ -536,7 +525,7 @@
 
 <file path=ppt/slideLayouts/slideLayout11.xml><?xml version="1.0" encoding="utf-8"?>
 <p:sldLayout xmlns:a="http://schemas.openxmlformats.org/drawingml/2006/main" xmlns:r="http://schemas.openxmlformats.org/officeDocument/2006/relationships" xmlns:p="http://schemas.openxmlformats.org/presentationml/2006/main" type="vertTitleAndTx" preserve="1">
-  <p:cSld name="Vertical Title and Text">
+  <p:cSld name="Título vertical y texto">
     <p:spTree>
       <p:nvGrpSpPr>
         <p:cNvPr id="1" name=""/>
@@ -553,7 +542,7 @@
       </p:grpSpPr>
       <p:sp>
         <p:nvSpPr>
-          <p:cNvPr id="2" name="Vertical Title 1"/>
+          <p:cNvPr id="2" name="Título vertical 1"/>
           <p:cNvSpPr>
             <a:spLocks noGrp="1"/>
           </p:cNvSpPr>
@@ -563,8 +552,8 @@
         </p:nvSpPr>
         <p:spPr>
           <a:xfrm>
-            <a:off x="6629400" y="205979"/>
-            <a:ext cx="2057400" cy="4388644"/>
+            <a:off x="8724900" y="365125"/>
+            <a:ext cx="2628900" cy="5811838"/>
           </a:xfrm>
         </p:spPr>
         <p:txBody>
@@ -572,15 +561,15 @@
           <a:lstStyle/>
           <a:p>
             <a:r>
-              <a:rPr lang="en-US"/>
-              <a:t>Click to edit Master title style</a:t>
-            </a:r>
-          </a:p>
-        </p:txBody>
-      </p:sp>
-      <p:sp>
-        <p:nvSpPr>
-          <p:cNvPr id="3" name="Vertical Text Placeholder 2"/>
+              <a:rPr lang="es-ES"/>
+              <a:t>Haga clic para modificar el estilo de título del patrón</a:t>
+            </a:r>
+          </a:p>
+        </p:txBody>
+      </p:sp>
+      <p:sp>
+        <p:nvSpPr>
+          <p:cNvPr id="3" name="Marcador de texto vertical 2"/>
           <p:cNvSpPr>
             <a:spLocks noGrp="1"/>
           </p:cNvSpPr>
@@ -590,8 +579,8 @@
         </p:nvSpPr>
         <p:spPr>
           <a:xfrm>
-            <a:off x="457200" y="205979"/>
-            <a:ext cx="6019800" cy="4388644"/>
+            <a:off x="838200" y="365125"/>
+            <a:ext cx="7734300" cy="5811838"/>
           </a:xfrm>
         </p:spPr>
         <p:txBody>
@@ -600,43 +589,43 @@
           <a:p>
             <a:pPr lvl="0"/>
             <a:r>
-              <a:rPr lang="en-US"/>
-              <a:t>Click to edit Master text styles</a:t>
+              <a:rPr lang="es-ES"/>
+              <a:t>Haga clic para modificar el estilo de texto del patrón</a:t>
             </a:r>
           </a:p>
           <a:p>
             <a:pPr lvl="1"/>
             <a:r>
-              <a:rPr lang="en-US"/>
-              <a:t>Second level</a:t>
+              <a:rPr lang="es-ES"/>
+              <a:t>Segundo nivel</a:t>
             </a:r>
           </a:p>
           <a:p>
             <a:pPr lvl="2"/>
             <a:r>
-              <a:rPr lang="en-US"/>
-              <a:t>Third level</a:t>
+              <a:rPr lang="es-ES"/>
+              <a:t>Tercer nivel</a:t>
             </a:r>
           </a:p>
           <a:p>
             <a:pPr lvl="3"/>
             <a:r>
-              <a:rPr lang="en-US"/>
-              <a:t>Fourth level</a:t>
+              <a:rPr lang="es-ES"/>
+              <a:t>Cuarto nivel</a:t>
             </a:r>
           </a:p>
           <a:p>
             <a:pPr lvl="4"/>
             <a:r>
-              <a:rPr lang="en-US"/>
-              <a:t>Fifth level</a:t>
-            </a:r>
-          </a:p>
-        </p:txBody>
-      </p:sp>
-      <p:sp>
-        <p:nvSpPr>
-          <p:cNvPr id="4" name="Date Placeholder 3"/>
+              <a:rPr lang="es-ES"/>
+              <a:t>Quinto nivel</a:t>
+            </a:r>
+          </a:p>
+        </p:txBody>
+      </p:sp>
+      <p:sp>
+        <p:nvSpPr>
+          <p:cNvPr id="4" name="Marcador de fecha 3"/>
           <p:cNvSpPr>
             <a:spLocks noGrp="1"/>
           </p:cNvSpPr>
@@ -649,17 +638,17 @@
           <a:bodyPr/>
           <a:lstStyle/>
           <a:p>
-            <a:fld id="{241EB5C9-1307-BA42-ABA2-0BC069CD8E7F}" type="datetimeFigureOut">
-              <a:rPr lang="en-US" smtClean="0"/>
-              <a:t>1/2/22</a:t>
+            <a:fld id="{40771E8B-6CA5-40B2-8038-0E112F3DAC1C}" type="datetimeFigureOut">
+              <a:rPr lang="es-ES" smtClean="0"/>
+              <a:t>20/01/2023</a:t>
             </a:fld>
-            <a:endParaRPr lang="en-US"/>
-          </a:p>
-        </p:txBody>
-      </p:sp>
-      <p:sp>
-        <p:nvSpPr>
-          <p:cNvPr id="5" name="Footer Placeholder 4"/>
+            <a:endParaRPr lang="es-ES"/>
+          </a:p>
+        </p:txBody>
+      </p:sp>
+      <p:sp>
+        <p:nvSpPr>
+          <p:cNvPr id="5" name="Marcador de pie de página 4"/>
           <p:cNvSpPr>
             <a:spLocks noGrp="1"/>
           </p:cNvSpPr>
@@ -672,13 +661,13 @@
           <a:bodyPr/>
           <a:lstStyle/>
           <a:p>
-            <a:endParaRPr lang="en-US"/>
-          </a:p>
-        </p:txBody>
-      </p:sp>
-      <p:sp>
-        <p:nvSpPr>
-          <p:cNvPr id="6" name="Slide Number Placeholder 5"/>
+            <a:endParaRPr lang="es-ES"/>
+          </a:p>
+        </p:txBody>
+      </p:sp>
+      <p:sp>
+        <p:nvSpPr>
+          <p:cNvPr id="6" name="Marcador de número de diapositiva 5"/>
           <p:cNvSpPr>
             <a:spLocks noGrp="1"/>
           </p:cNvSpPr>
@@ -691,18 +680,1075 @@
           <a:bodyPr/>
           <a:lstStyle/>
           <a:p>
-            <a:fld id="{C5EF2332-01BF-834F-8236-50238282D533}" type="slidenum">
-              <a:rPr lang="en-US" smtClean="0"/>
-              <a:t>‹#›</a:t>
+            <a:fld id="{0F1556C4-DFC3-4611-A7CC-780699185E26}" type="slidenum">
+              <a:rPr lang="es-ES" smtClean="0"/>
+              <a:t>‹Nº›</a:t>
             </a:fld>
-            <a:endParaRPr lang="en-US"/>
+            <a:endParaRPr lang="es-ES"/>
           </a:p>
         </p:txBody>
       </p:sp>
     </p:spTree>
     <p:extLst>
       <p:ext uri="{BB962C8B-B14F-4D97-AF65-F5344CB8AC3E}">
-        <p14:creationId xmlns:p14="http://schemas.microsoft.com/office/powerpoint/2010/main" val="2581529045"/>
+        <p14:creationId xmlns:p14="http://schemas.microsoft.com/office/powerpoint/2010/main" val="2215096201"/>
+      </p:ext>
+    </p:extLst>
+  </p:cSld>
+  <p:clrMapOvr>
+    <a:masterClrMapping/>
+  </p:clrMapOvr>
+</p:sldLayout>
+</file>
+
+<file path=ppt/slideLayouts/slideLayout12.xml><?xml version="1.0" encoding="utf-8"?>
+<p:sldLayout xmlns:a="http://schemas.openxmlformats.org/drawingml/2006/main" xmlns:r="http://schemas.openxmlformats.org/officeDocument/2006/relationships" xmlns:p="http://schemas.openxmlformats.org/presentationml/2006/main" userDrawn="1">
+  <p:cSld name="Default Slide">
+    <p:spTree>
+      <p:nvGrpSpPr>
+        <p:cNvPr id="1" name=""/>
+        <p:cNvGrpSpPr/>
+        <p:nvPr/>
+      </p:nvGrpSpPr>
+      <p:grpSpPr>
+        <a:xfrm>
+          <a:off x="0" y="0"/>
+          <a:ext cx="0" cy="0"/>
+          <a:chOff x="0" y="0"/>
+          <a:chExt cx="0" cy="0"/>
+        </a:xfrm>
+      </p:grpSpPr>
+    </p:spTree>
+    <p:extLst>
+      <p:ext uri="{BB962C8B-B14F-4D97-AF65-F5344CB8AC3E}">
+        <p14:creationId xmlns:p14="http://schemas.microsoft.com/office/powerpoint/2010/main" val="376337273"/>
+      </p:ext>
+    </p:extLst>
+  </p:cSld>
+  <p:clrMapOvr>
+    <a:masterClrMapping/>
+  </p:clrMapOvr>
+</p:sldLayout>
+</file>
+
+<file path=ppt/slideLayouts/slideLayout13.xml><?xml version="1.0" encoding="utf-8"?>
+<p:sldLayout xmlns:a="http://schemas.openxmlformats.org/drawingml/2006/main" xmlns:r="http://schemas.openxmlformats.org/officeDocument/2006/relationships" xmlns:p="http://schemas.openxmlformats.org/presentationml/2006/main" userDrawn="1">
+  <p:cSld name="Light gray shading">
+    <p:bg>
+      <p:bgPr>
+        <a:gradFill>
+          <a:gsLst>
+            <a:gs pos="0">
+              <a:schemeClr val="bg1"/>
+            </a:gs>
+            <a:gs pos="100000">
+              <a:srgbClr val="DBDBDB"/>
+            </a:gs>
+          </a:gsLst>
+          <a:path path="circle">
+            <a:fillToRect l="50000" t="50000" r="50000" b="50000"/>
+          </a:path>
+        </a:gradFill>
+        <a:effectLst/>
+      </p:bgPr>
+    </p:bg>
+    <p:spTree>
+      <p:nvGrpSpPr>
+        <p:cNvPr id="1" name=""/>
+        <p:cNvGrpSpPr/>
+        <p:nvPr/>
+      </p:nvGrpSpPr>
+      <p:grpSpPr>
+        <a:xfrm>
+          <a:off x="0" y="0"/>
+          <a:ext cx="0" cy="0"/>
+          <a:chOff x="0" y="0"/>
+          <a:chExt cx="0" cy="0"/>
+        </a:xfrm>
+      </p:grpSpPr>
+      <p:grpSp>
+        <p:nvGrpSpPr>
+          <p:cNvPr id="17" name="Group 16"/>
+          <p:cNvGrpSpPr/>
+          <p:nvPr userDrawn="1"/>
+        </p:nvGrpSpPr>
+        <p:grpSpPr>
+          <a:xfrm>
+            <a:off x="328169" y="6237312"/>
+            <a:ext cx="439241" cy="439240"/>
+            <a:chOff x="186858" y="6096003"/>
+            <a:chExt cx="580550" cy="580549"/>
+          </a:xfrm>
+          <a:solidFill>
+            <a:schemeClr val="bg1">
+              <a:lumMod val="95000"/>
+            </a:schemeClr>
+          </a:solidFill>
+        </p:grpSpPr>
+        <p:sp>
+          <p:nvSpPr>
+            <p:cNvPr id="18" name="Rectangle 17"/>
+            <p:cNvSpPr/>
+            <p:nvPr userDrawn="1"/>
+          </p:nvSpPr>
+          <p:spPr>
+            <a:xfrm>
+              <a:off x="186859" y="6096003"/>
+              <a:ext cx="580549" cy="580549"/>
+            </a:xfrm>
+            <a:prstGeom prst="rect">
+              <a:avLst/>
+            </a:prstGeom>
+            <a:solidFill>
+              <a:schemeClr val="bg1">
+                <a:lumMod val="85000"/>
+              </a:schemeClr>
+            </a:solidFill>
+            <a:ln>
+              <a:noFill/>
+            </a:ln>
+          </p:spPr>
+          <p:style>
+            <a:lnRef idx="2">
+              <a:schemeClr val="accent1">
+                <a:shade val="50000"/>
+              </a:schemeClr>
+            </a:lnRef>
+            <a:fillRef idx="1">
+              <a:schemeClr val="accent1"/>
+            </a:fillRef>
+            <a:effectRef idx="0">
+              <a:schemeClr val="accent1"/>
+            </a:effectRef>
+            <a:fontRef idx="minor">
+              <a:schemeClr val="lt1"/>
+            </a:fontRef>
+          </p:style>
+          <p:txBody>
+            <a:bodyPr rtlCol="0" anchor="ctr"/>
+            <a:lstStyle/>
+            <a:p>
+              <a:pPr algn="ctr"/>
+              <a:endParaRPr lang="en-US" sz="1600" b="1">
+                <a:latin typeface="GeosansLight" panose="02000603020000020003"/>
+              </a:endParaRPr>
+            </a:p>
+          </p:txBody>
+        </p:sp>
+        <p:sp>
+          <p:nvSpPr>
+            <p:cNvPr id="19" name="Rectangle 18"/>
+            <p:cNvSpPr/>
+            <p:nvPr userDrawn="1"/>
+          </p:nvSpPr>
+          <p:spPr>
+            <a:xfrm>
+              <a:off x="186858" y="6612049"/>
+              <a:ext cx="580549" cy="64503"/>
+            </a:xfrm>
+            <a:prstGeom prst="rect">
+              <a:avLst/>
+            </a:prstGeom>
+            <a:solidFill>
+              <a:schemeClr val="bg1">
+                <a:lumMod val="75000"/>
+              </a:schemeClr>
+            </a:solidFill>
+            <a:ln>
+              <a:noFill/>
+            </a:ln>
+          </p:spPr>
+          <p:style>
+            <a:lnRef idx="2">
+              <a:schemeClr val="accent1">
+                <a:shade val="50000"/>
+              </a:schemeClr>
+            </a:lnRef>
+            <a:fillRef idx="1">
+              <a:schemeClr val="accent1"/>
+            </a:fillRef>
+            <a:effectRef idx="0">
+              <a:schemeClr val="accent1"/>
+            </a:effectRef>
+            <a:fontRef idx="minor">
+              <a:schemeClr val="lt1"/>
+            </a:fontRef>
+          </p:style>
+          <p:txBody>
+            <a:bodyPr rtlCol="0" anchor="ctr"/>
+            <a:lstStyle/>
+            <a:p>
+              <a:pPr lvl="0" algn="ctr"/>
+              <a:endParaRPr lang="en-US" sz="1351"/>
+            </a:p>
+          </p:txBody>
+        </p:sp>
+      </p:grpSp>
+      <p:sp>
+        <p:nvSpPr>
+          <p:cNvPr id="3" name="Sous-titre 2"/>
+          <p:cNvSpPr>
+            <a:spLocks noGrp="1"/>
+          </p:cNvSpPr>
+          <p:nvPr>
+            <p:ph type="subTitle" idx="1"/>
+          </p:nvPr>
+        </p:nvSpPr>
+        <p:spPr>
+          <a:xfrm>
+            <a:off x="1784570" y="764704"/>
+            <a:ext cx="9797832" cy="288032"/>
+          </a:xfrm>
+        </p:spPr>
+        <p:txBody>
+          <a:bodyPr anchor="ctr">
+            <a:noAutofit/>
+          </a:bodyPr>
+          <a:lstStyle>
+            <a:lvl1pPr marL="0" indent="0" algn="r">
+              <a:buNone/>
+              <a:defRPr sz="2000" cap="small" baseline="0">
+                <a:solidFill>
+                  <a:schemeClr val="accent1">
+                    <a:lumMod val="75000"/>
+                  </a:schemeClr>
+                </a:solidFill>
+              </a:defRPr>
+            </a:lvl1pPr>
+            <a:lvl2pPr marL="457178" indent="0" algn="ctr">
+              <a:buNone/>
+              <a:defRPr>
+                <a:solidFill>
+                  <a:schemeClr val="tx1">
+                    <a:tint val="75000"/>
+                  </a:schemeClr>
+                </a:solidFill>
+              </a:defRPr>
+            </a:lvl2pPr>
+            <a:lvl3pPr marL="914354" indent="0" algn="ctr">
+              <a:buNone/>
+              <a:defRPr>
+                <a:solidFill>
+                  <a:schemeClr val="tx1">
+                    <a:tint val="75000"/>
+                  </a:schemeClr>
+                </a:solidFill>
+              </a:defRPr>
+            </a:lvl3pPr>
+            <a:lvl4pPr marL="1371532" indent="0" algn="ctr">
+              <a:buNone/>
+              <a:defRPr>
+                <a:solidFill>
+                  <a:schemeClr val="tx1">
+                    <a:tint val="75000"/>
+                  </a:schemeClr>
+                </a:solidFill>
+              </a:defRPr>
+            </a:lvl4pPr>
+            <a:lvl5pPr marL="1828709" indent="0" algn="ctr">
+              <a:buNone/>
+              <a:defRPr>
+                <a:solidFill>
+                  <a:schemeClr val="tx1">
+                    <a:tint val="75000"/>
+                  </a:schemeClr>
+                </a:solidFill>
+              </a:defRPr>
+            </a:lvl5pPr>
+            <a:lvl6pPr marL="2285886" indent="0" algn="ctr">
+              <a:buNone/>
+              <a:defRPr>
+                <a:solidFill>
+                  <a:schemeClr val="tx1">
+                    <a:tint val="75000"/>
+                  </a:schemeClr>
+                </a:solidFill>
+              </a:defRPr>
+            </a:lvl6pPr>
+            <a:lvl7pPr marL="2743062" indent="0" algn="ctr">
+              <a:buNone/>
+              <a:defRPr>
+                <a:solidFill>
+                  <a:schemeClr val="tx1">
+                    <a:tint val="75000"/>
+                  </a:schemeClr>
+                </a:solidFill>
+              </a:defRPr>
+            </a:lvl7pPr>
+            <a:lvl8pPr marL="3200240" indent="0" algn="ctr">
+              <a:buNone/>
+              <a:defRPr>
+                <a:solidFill>
+                  <a:schemeClr val="tx1">
+                    <a:tint val="75000"/>
+                  </a:schemeClr>
+                </a:solidFill>
+              </a:defRPr>
+            </a:lvl8pPr>
+            <a:lvl9pPr marL="3657418" indent="0" algn="ctr">
+              <a:buNone/>
+              <a:defRPr>
+                <a:solidFill>
+                  <a:schemeClr val="tx1">
+                    <a:tint val="75000"/>
+                  </a:schemeClr>
+                </a:solidFill>
+              </a:defRPr>
+            </a:lvl9pPr>
+          </a:lstStyle>
+          <a:p>
+            <a:r>
+              <a:rPr lang="fr-FR"/>
+              <a:t>Modifiez le style des sous-titres du masque</a:t>
+            </a:r>
+            <a:endParaRPr lang="en-US"/>
+          </a:p>
+        </p:txBody>
+      </p:sp>
+      <p:sp>
+        <p:nvSpPr>
+          <p:cNvPr id="7" name="Espace réservé du titre 1"/>
+          <p:cNvSpPr>
+            <a:spLocks noGrp="1"/>
+          </p:cNvSpPr>
+          <p:nvPr>
+            <p:ph type="title"/>
+          </p:nvPr>
+        </p:nvSpPr>
+        <p:spPr>
+          <a:xfrm>
+            <a:off x="1784570" y="147094"/>
+            <a:ext cx="9797832" cy="617612"/>
+          </a:xfrm>
+          <a:prstGeom prst="rect">
+            <a:avLst/>
+          </a:prstGeom>
+        </p:spPr>
+        <p:txBody>
+          <a:bodyPr vert="horz" lIns="91440" tIns="45720" rIns="91440" bIns="45720" rtlCol="0" anchor="ctr">
+            <a:noAutofit/>
+          </a:bodyPr>
+          <a:lstStyle>
+            <a:lvl1pPr>
+              <a:defRPr sz="4000">
+                <a:solidFill>
+                  <a:schemeClr val="accent1">
+                    <a:lumMod val="75000"/>
+                  </a:schemeClr>
+                </a:solidFill>
+              </a:defRPr>
+            </a:lvl1pPr>
+          </a:lstStyle>
+          <a:p>
+            <a:r>
+              <a:rPr lang="fr-FR"/>
+              <a:t>Modifiez le style du titre</a:t>
+            </a:r>
+            <a:endParaRPr lang="en-US"/>
+          </a:p>
+        </p:txBody>
+      </p:sp>
+      <p:pic>
+        <p:nvPicPr>
+          <p:cNvPr id="10" name="Picture 9"/>
+          <p:cNvPicPr>
+            <a:picLocks noChangeAspect="1"/>
+          </p:cNvPicPr>
+          <p:nvPr userDrawn="1"/>
+        </p:nvPicPr>
+        <p:blipFill rotWithShape="1">
+          <a:blip r:embed="rId2" cstate="print">
+            <a:extLst>
+              <a:ext uri="{28A0092B-C50C-407E-A947-70E740481C1C}">
+                <a14:useLocalDpi xmlns:a14="http://schemas.microsoft.com/office/drawing/2010/main" val="0"/>
+              </a:ext>
+            </a:extLst>
+          </a:blip>
+          <a:srcRect r="18501" b="19391"/>
+          <a:stretch/>
+        </p:blipFill>
+        <p:spPr>
+          <a:xfrm>
+            <a:off x="10560496" y="5593032"/>
+            <a:ext cx="1095488" cy="1083520"/>
+          </a:xfrm>
+          <a:prstGeom prst="rect">
+            <a:avLst/>
+          </a:prstGeom>
+        </p:spPr>
+      </p:pic>
+      <p:sp>
+        <p:nvSpPr>
+          <p:cNvPr id="20" name="Slide Number Placeholder 5"/>
+          <p:cNvSpPr>
+            <a:spLocks noGrp="1"/>
+          </p:cNvSpPr>
+          <p:nvPr>
+            <p:ph type="sldNum" sz="quarter" idx="12"/>
+          </p:nvPr>
+        </p:nvSpPr>
+        <p:spPr>
+          <a:xfrm>
+            <a:off x="328169" y="6237312"/>
+            <a:ext cx="439241" cy="390437"/>
+          </a:xfrm>
+          <a:prstGeom prst="rect">
+            <a:avLst/>
+          </a:prstGeom>
+        </p:spPr>
+        <p:txBody>
+          <a:bodyPr anchor="ctr"/>
+          <a:lstStyle>
+            <a:lvl1pPr algn="ctr">
+              <a:defRPr sz="1400">
+                <a:solidFill>
+                  <a:srgbClr val="2F3A46"/>
+                </a:solidFill>
+              </a:defRPr>
+            </a:lvl1pPr>
+          </a:lstStyle>
+          <a:p>
+            <a:fld id="{F68327C5-B821-4FE9-A59A-A60D9EB59A9A}" type="slidenum">
+              <a:rPr lang="en-US" smtClean="0"/>
+              <a:pPr/>
+              <a:t>‹Nº›</a:t>
+            </a:fld>
+            <a:endParaRPr lang="en-US"/>
+          </a:p>
+        </p:txBody>
+      </p:sp>
+    </p:spTree>
+    <p:extLst>
+      <p:ext uri="{BB962C8B-B14F-4D97-AF65-F5344CB8AC3E}">
+        <p14:creationId xmlns:p14="http://schemas.microsoft.com/office/powerpoint/2010/main" val="4215178804"/>
+      </p:ext>
+    </p:extLst>
+  </p:cSld>
+  <p:clrMapOvr>
+    <a:masterClrMapping/>
+  </p:clrMapOvr>
+</p:sldLayout>
+</file>
+
+<file path=ppt/slideLayouts/slideLayout14.xml><?xml version="1.0" encoding="utf-8"?>
+<p:sldLayout xmlns:a="http://schemas.openxmlformats.org/drawingml/2006/main" xmlns:r="http://schemas.openxmlformats.org/officeDocument/2006/relationships" xmlns:p="http://schemas.openxmlformats.org/presentationml/2006/main" userDrawn="1">
+  <p:cSld name="1_Contents slide layout">
+    <p:spTree>
+      <p:nvGrpSpPr>
+        <p:cNvPr id="1" name=""/>
+        <p:cNvGrpSpPr/>
+        <p:nvPr/>
+      </p:nvGrpSpPr>
+      <p:grpSpPr>
+        <a:xfrm>
+          <a:off x="0" y="0"/>
+          <a:ext cx="0" cy="0"/>
+          <a:chOff x="0" y="0"/>
+          <a:chExt cx="0" cy="0"/>
+        </a:xfrm>
+      </p:grpSpPr>
+      <p:sp>
+        <p:nvSpPr>
+          <p:cNvPr id="6" name="Freeform 5"/>
+          <p:cNvSpPr>
+            <a:spLocks/>
+          </p:cNvSpPr>
+          <p:nvPr userDrawn="1"/>
+        </p:nvSpPr>
+        <p:spPr bwMode="auto">
+          <a:xfrm>
+            <a:off x="3175" y="107950"/>
+            <a:ext cx="10734675" cy="873125"/>
+          </a:xfrm>
+          <a:custGeom>
+            <a:avLst/>
+            <a:gdLst>
+              <a:gd name="T0" fmla="*/ 6762 w 6762"/>
+              <a:gd name="T1" fmla="*/ 550 h 550"/>
+              <a:gd name="T2" fmla="*/ 0 w 6762"/>
+              <a:gd name="T3" fmla="*/ 550 h 550"/>
+              <a:gd name="T4" fmla="*/ 0 w 6762"/>
+              <a:gd name="T5" fmla="*/ 0 h 550"/>
+              <a:gd name="T6" fmla="*/ 6762 w 6762"/>
+              <a:gd name="T7" fmla="*/ 0 h 550"/>
+              <a:gd name="T8" fmla="*/ 6503 w 6762"/>
+              <a:gd name="T9" fmla="*/ 275 h 550"/>
+              <a:gd name="T10" fmla="*/ 6762 w 6762"/>
+              <a:gd name="T11" fmla="*/ 550 h 550"/>
+            </a:gdLst>
+            <a:ahLst/>
+            <a:cxnLst>
+              <a:cxn ang="0">
+                <a:pos x="T0" y="T1"/>
+              </a:cxn>
+              <a:cxn ang="0">
+                <a:pos x="T2" y="T3"/>
+              </a:cxn>
+              <a:cxn ang="0">
+                <a:pos x="T4" y="T5"/>
+              </a:cxn>
+              <a:cxn ang="0">
+                <a:pos x="T6" y="T7"/>
+              </a:cxn>
+              <a:cxn ang="0">
+                <a:pos x="T8" y="T9"/>
+              </a:cxn>
+              <a:cxn ang="0">
+                <a:pos x="T10" y="T11"/>
+              </a:cxn>
+            </a:cxnLst>
+            <a:rect l="0" t="0" r="r" b="b"/>
+            <a:pathLst>
+              <a:path w="6762" h="550">
+                <a:moveTo>
+                  <a:pt x="6762" y="550"/>
+                </a:moveTo>
+                <a:lnTo>
+                  <a:pt x="0" y="550"/>
+                </a:lnTo>
+                <a:lnTo>
+                  <a:pt x="0" y="0"/>
+                </a:lnTo>
+                <a:lnTo>
+                  <a:pt x="6762" y="0"/>
+                </a:lnTo>
+                <a:lnTo>
+                  <a:pt x="6503" y="275"/>
+                </a:lnTo>
+                <a:lnTo>
+                  <a:pt x="6762" y="550"/>
+                </a:lnTo>
+                <a:close/>
+              </a:path>
+            </a:pathLst>
+          </a:custGeom>
+          <a:solidFill>
+            <a:srgbClr val="3282BE"/>
+          </a:solidFill>
+          <a:ln w="12700" cap="flat" cmpd="sng" algn="ctr">
+            <a:noFill/>
+            <a:prstDash val="solid"/>
+            <a:miter lim="800000"/>
+          </a:ln>
+          <a:effectLst/>
+        </p:spPr>
+        <p:txBody>
+          <a:bodyPr rtlCol="0" anchor="ctr"/>
+          <a:lstStyle/>
+          <a:p>
+            <a:pPr marR="0" lvl="0" indent="0" algn="ctr" defTabSz="914400" fontAlgn="auto">
+              <a:lnSpc>
+                <a:spcPct val="100000"/>
+              </a:lnSpc>
+              <a:spcBef>
+                <a:spcPts val="0"/>
+              </a:spcBef>
+              <a:spcAft>
+                <a:spcPts val="0"/>
+              </a:spcAft>
+              <a:buClrTx/>
+              <a:buSzTx/>
+              <a:buFontTx/>
+              <a:buNone/>
+              <a:tabLst/>
+            </a:pPr>
+            <a:endParaRPr kumimoji="0" lang="es-PE" b="0" i="0" u="none" strike="noStrike" kern="0" cap="none" spc="0" normalizeH="0" baseline="0">
+              <a:ln>
+                <a:noFill/>
+              </a:ln>
+              <a:solidFill>
+                <a:prstClr val="white"/>
+              </a:solidFill>
+              <a:effectLst/>
+              <a:uLnTx/>
+              <a:uFillTx/>
+              <a:latin typeface="Arial"/>
+              <a:ea typeface="Arial Unicode MS"/>
+            </a:endParaRPr>
+          </a:p>
+        </p:txBody>
+      </p:sp>
+      <p:sp>
+        <p:nvSpPr>
+          <p:cNvPr id="7" name="Freeform 6"/>
+          <p:cNvSpPr>
+            <a:spLocks/>
+          </p:cNvSpPr>
+          <p:nvPr userDrawn="1"/>
+        </p:nvSpPr>
+        <p:spPr bwMode="auto">
+          <a:xfrm>
+            <a:off x="10737850" y="107950"/>
+            <a:ext cx="1450975" cy="873125"/>
+          </a:xfrm>
+          <a:custGeom>
+            <a:avLst/>
+            <a:gdLst>
+              <a:gd name="T0" fmla="*/ 259 w 914"/>
+              <a:gd name="T1" fmla="*/ 550 h 550"/>
+              <a:gd name="T2" fmla="*/ 914 w 914"/>
+              <a:gd name="T3" fmla="*/ 550 h 550"/>
+              <a:gd name="T4" fmla="*/ 914 w 914"/>
+              <a:gd name="T5" fmla="*/ 0 h 550"/>
+              <a:gd name="T6" fmla="*/ 259 w 914"/>
+              <a:gd name="T7" fmla="*/ 0 h 550"/>
+              <a:gd name="T8" fmla="*/ 0 w 914"/>
+              <a:gd name="T9" fmla="*/ 275 h 550"/>
+              <a:gd name="T10" fmla="*/ 259 w 914"/>
+              <a:gd name="T11" fmla="*/ 550 h 550"/>
+            </a:gdLst>
+            <a:ahLst/>
+            <a:cxnLst>
+              <a:cxn ang="0">
+                <a:pos x="T0" y="T1"/>
+              </a:cxn>
+              <a:cxn ang="0">
+                <a:pos x="T2" y="T3"/>
+              </a:cxn>
+              <a:cxn ang="0">
+                <a:pos x="T4" y="T5"/>
+              </a:cxn>
+              <a:cxn ang="0">
+                <a:pos x="T6" y="T7"/>
+              </a:cxn>
+              <a:cxn ang="0">
+                <a:pos x="T8" y="T9"/>
+              </a:cxn>
+              <a:cxn ang="0">
+                <a:pos x="T10" y="T11"/>
+              </a:cxn>
+            </a:cxnLst>
+            <a:rect l="0" t="0" r="r" b="b"/>
+            <a:pathLst>
+              <a:path w="914" h="550">
+                <a:moveTo>
+                  <a:pt x="259" y="550"/>
+                </a:moveTo>
+                <a:lnTo>
+                  <a:pt x="914" y="550"/>
+                </a:lnTo>
+                <a:lnTo>
+                  <a:pt x="914" y="0"/>
+                </a:lnTo>
+                <a:lnTo>
+                  <a:pt x="259" y="0"/>
+                </a:lnTo>
+                <a:lnTo>
+                  <a:pt x="0" y="275"/>
+                </a:lnTo>
+                <a:lnTo>
+                  <a:pt x="259" y="550"/>
+                </a:lnTo>
+                <a:close/>
+              </a:path>
+            </a:pathLst>
+          </a:custGeom>
+          <a:solidFill>
+            <a:srgbClr val="3282BE"/>
+          </a:solidFill>
+          <a:ln w="12700" cap="flat" cmpd="sng" algn="ctr">
+            <a:noFill/>
+            <a:prstDash val="solid"/>
+            <a:miter lim="800000"/>
+          </a:ln>
+          <a:effectLst/>
+        </p:spPr>
+        <p:txBody>
+          <a:bodyPr rtlCol="0" anchor="ctr"/>
+          <a:lstStyle/>
+          <a:p>
+            <a:pPr marR="0" lvl="0" indent="0" algn="ctr" defTabSz="914400" fontAlgn="auto">
+              <a:lnSpc>
+                <a:spcPct val="100000"/>
+              </a:lnSpc>
+              <a:spcBef>
+                <a:spcPts val="0"/>
+              </a:spcBef>
+              <a:spcAft>
+                <a:spcPts val="0"/>
+              </a:spcAft>
+              <a:buClrTx/>
+              <a:buSzTx/>
+              <a:buFontTx/>
+              <a:buNone/>
+              <a:tabLst/>
+            </a:pPr>
+            <a:endParaRPr kumimoji="0" lang="es-PE" b="0" i="0" u="none" strike="noStrike" kern="0" cap="none" spc="0" normalizeH="0" baseline="0">
+              <a:ln>
+                <a:noFill/>
+              </a:ln>
+              <a:solidFill>
+                <a:prstClr val="white"/>
+              </a:solidFill>
+              <a:effectLst/>
+              <a:uLnTx/>
+              <a:uFillTx/>
+              <a:latin typeface="Arial"/>
+              <a:ea typeface="Arial Unicode MS"/>
+            </a:endParaRPr>
+          </a:p>
+        </p:txBody>
+      </p:sp>
+      <p:sp>
+        <p:nvSpPr>
+          <p:cNvPr id="8" name="Freeform 7"/>
+          <p:cNvSpPr>
+            <a:spLocks/>
+          </p:cNvSpPr>
+          <p:nvPr userDrawn="1"/>
+        </p:nvSpPr>
+        <p:spPr bwMode="auto">
+          <a:xfrm>
+            <a:off x="10028238" y="5745163"/>
+            <a:ext cx="2160588" cy="1008063"/>
+          </a:xfrm>
+          <a:custGeom>
+            <a:avLst/>
+            <a:gdLst>
+              <a:gd name="T0" fmla="*/ 384 w 1361"/>
+              <a:gd name="T1" fmla="*/ 635 h 635"/>
+              <a:gd name="T2" fmla="*/ 1361 w 1361"/>
+              <a:gd name="T3" fmla="*/ 635 h 635"/>
+              <a:gd name="T4" fmla="*/ 1361 w 1361"/>
+              <a:gd name="T5" fmla="*/ 0 h 635"/>
+              <a:gd name="T6" fmla="*/ 384 w 1361"/>
+              <a:gd name="T7" fmla="*/ 0 h 635"/>
+              <a:gd name="T8" fmla="*/ 0 w 1361"/>
+              <a:gd name="T9" fmla="*/ 410 h 635"/>
+              <a:gd name="T10" fmla="*/ 384 w 1361"/>
+              <a:gd name="T11" fmla="*/ 635 h 635"/>
+            </a:gdLst>
+            <a:ahLst/>
+            <a:cxnLst>
+              <a:cxn ang="0">
+                <a:pos x="T0" y="T1"/>
+              </a:cxn>
+              <a:cxn ang="0">
+                <a:pos x="T2" y="T3"/>
+              </a:cxn>
+              <a:cxn ang="0">
+                <a:pos x="T4" y="T5"/>
+              </a:cxn>
+              <a:cxn ang="0">
+                <a:pos x="T6" y="T7"/>
+              </a:cxn>
+              <a:cxn ang="0">
+                <a:pos x="T8" y="T9"/>
+              </a:cxn>
+              <a:cxn ang="0">
+                <a:pos x="T10" y="T11"/>
+              </a:cxn>
+            </a:cxnLst>
+            <a:rect l="0" t="0" r="r" b="b"/>
+            <a:pathLst>
+              <a:path w="1361" h="635">
+                <a:moveTo>
+                  <a:pt x="384" y="635"/>
+                </a:moveTo>
+                <a:lnTo>
+                  <a:pt x="1361" y="635"/>
+                </a:lnTo>
+                <a:lnTo>
+                  <a:pt x="1361" y="0"/>
+                </a:lnTo>
+                <a:lnTo>
+                  <a:pt x="384" y="0"/>
+                </a:lnTo>
+                <a:lnTo>
+                  <a:pt x="0" y="410"/>
+                </a:lnTo>
+                <a:lnTo>
+                  <a:pt x="384" y="635"/>
+                </a:lnTo>
+                <a:close/>
+              </a:path>
+            </a:pathLst>
+          </a:custGeom>
+          <a:solidFill>
+            <a:srgbClr val="3282BE"/>
+          </a:solidFill>
+          <a:ln w="12700" cap="flat" cmpd="sng" algn="ctr">
+            <a:noFill/>
+            <a:prstDash val="solid"/>
+            <a:miter lim="800000"/>
+          </a:ln>
+          <a:effectLst/>
+        </p:spPr>
+        <p:txBody>
+          <a:bodyPr rtlCol="0" anchor="ctr"/>
+          <a:lstStyle/>
+          <a:p>
+            <a:pPr marR="0" lvl="0" indent="0" algn="ctr" defTabSz="914400" fontAlgn="auto">
+              <a:lnSpc>
+                <a:spcPct val="100000"/>
+              </a:lnSpc>
+              <a:spcBef>
+                <a:spcPts val="0"/>
+              </a:spcBef>
+              <a:spcAft>
+                <a:spcPts val="0"/>
+              </a:spcAft>
+              <a:buClrTx/>
+              <a:buSzTx/>
+              <a:buFontTx/>
+              <a:buNone/>
+              <a:tabLst/>
+            </a:pPr>
+            <a:endParaRPr kumimoji="0" lang="es-PE" b="0" i="0" u="none" strike="noStrike" kern="0" cap="none" spc="0" normalizeH="0" baseline="0">
+              <a:ln>
+                <a:noFill/>
+              </a:ln>
+              <a:solidFill>
+                <a:prstClr val="white"/>
+              </a:solidFill>
+              <a:effectLst/>
+              <a:uLnTx/>
+              <a:uFillTx/>
+              <a:latin typeface="Arial"/>
+              <a:ea typeface="Arial Unicode MS"/>
+            </a:endParaRPr>
+          </a:p>
+        </p:txBody>
+      </p:sp>
+      <p:sp>
+        <p:nvSpPr>
+          <p:cNvPr id="22" name="Rectangle 8"/>
+          <p:cNvSpPr>
+            <a:spLocks noChangeArrowheads="1"/>
+          </p:cNvSpPr>
+          <p:nvPr userDrawn="1"/>
+        </p:nvSpPr>
+        <p:spPr bwMode="auto">
+          <a:xfrm>
+            <a:off x="3175" y="6396039"/>
+            <a:ext cx="10734675" cy="357188"/>
+          </a:xfrm>
+          <a:prstGeom prst="rect">
+            <a:avLst/>
+          </a:prstGeom>
+          <a:solidFill>
+            <a:srgbClr val="3282BE"/>
+          </a:solidFill>
+          <a:ln w="12700" cap="flat" cmpd="sng" algn="ctr">
+            <a:noFill/>
+            <a:prstDash val="solid"/>
+            <a:miter lim="800000"/>
+          </a:ln>
+          <a:effectLst/>
+        </p:spPr>
+        <p:txBody>
+          <a:bodyPr rtlCol="0" anchor="ctr"/>
+          <a:lstStyle/>
+          <a:p>
+            <a:pPr marR="0" lvl="0" indent="0" algn="ctr" defTabSz="914400" fontAlgn="auto">
+              <a:lnSpc>
+                <a:spcPct val="100000"/>
+              </a:lnSpc>
+              <a:spcBef>
+                <a:spcPts val="0"/>
+              </a:spcBef>
+              <a:spcAft>
+                <a:spcPts val="0"/>
+              </a:spcAft>
+              <a:buClrTx/>
+              <a:buSzTx/>
+              <a:buFontTx/>
+              <a:buNone/>
+              <a:tabLst/>
+            </a:pPr>
+            <a:endParaRPr kumimoji="0" lang="es-PE" b="0" i="0" u="none" strike="noStrike" kern="0" cap="none" spc="0" normalizeH="0" baseline="0">
+              <a:ln>
+                <a:noFill/>
+              </a:ln>
+              <a:solidFill>
+                <a:prstClr val="white"/>
+              </a:solidFill>
+              <a:effectLst/>
+              <a:uLnTx/>
+              <a:uFillTx/>
+              <a:latin typeface="Arial"/>
+              <a:ea typeface="Arial Unicode MS"/>
+            </a:endParaRPr>
+          </a:p>
+        </p:txBody>
+      </p:sp>
+      <p:sp>
+        <p:nvSpPr>
+          <p:cNvPr id="21" name="Text Placeholder 9">
+            <a:extLst>
+              <a:ext uri="{FF2B5EF4-FFF2-40B4-BE49-F238E27FC236}">
+                <a16:creationId xmlns:a16="http://schemas.microsoft.com/office/drawing/2014/main" id="{23DE32A5-6181-4C51-AD5C-3F1A448478A1}"/>
+              </a:ext>
+            </a:extLst>
+          </p:cNvPr>
+          <p:cNvSpPr>
+            <a:spLocks noGrp="1"/>
+          </p:cNvSpPr>
+          <p:nvPr userDrawn="1">
+            <p:ph type="body" sz="quarter" idx="10" hasCustomPrompt="1"/>
+          </p:nvPr>
+        </p:nvSpPr>
+        <p:spPr>
+          <a:xfrm>
+            <a:off x="309401" y="237909"/>
+            <a:ext cx="4211799" cy="724247"/>
+          </a:xfrm>
+          <a:prstGeom prst="rect">
+            <a:avLst/>
+          </a:prstGeom>
+        </p:spPr>
+        <p:txBody>
+          <a:bodyPr anchor="ctr"/>
+          <a:lstStyle>
+            <a:lvl1pPr marL="0" indent="0" algn="ctr">
+              <a:buNone/>
+              <a:defRPr sz="4000" b="0" baseline="0">
+                <a:solidFill>
+                  <a:schemeClr val="bg1"/>
+                </a:solidFill>
+                <a:latin typeface="+mj-lt"/>
+                <a:cs typeface="Arial" pitchFamily="34" charset="0"/>
+              </a:defRPr>
+            </a:lvl1pPr>
+          </a:lstStyle>
+          <a:p>
+            <a:pPr lvl="0"/>
+            <a:r>
+              <a:rPr lang="en-US" altLang="ko-KR"/>
+              <a:t>BASIC LAYOUT</a:t>
+            </a:r>
+          </a:p>
+        </p:txBody>
+      </p:sp>
+    </p:spTree>
+    <p:extLst>
+      <p:ext uri="{BB962C8B-B14F-4D97-AF65-F5344CB8AC3E}">
+        <p14:creationId xmlns:p14="http://schemas.microsoft.com/office/powerpoint/2010/main" val="3378312563"/>
+      </p:ext>
+    </p:extLst>
+  </p:cSld>
+  <p:clrMapOvr>
+    <a:masterClrMapping/>
+  </p:clrMapOvr>
+</p:sldLayout>
+</file>
+
+<file path=ppt/slideLayouts/slideLayout15.xml><?xml version="1.0" encoding="utf-8"?>
+<p:sldLayout xmlns:a="http://schemas.openxmlformats.org/drawingml/2006/main" xmlns:r="http://schemas.openxmlformats.org/officeDocument/2006/relationships" xmlns:p="http://schemas.openxmlformats.org/presentationml/2006/main" userDrawn="1">
+  <p:cSld name="1_Encabezado de Sección">
+    <p:spTree>
+      <p:nvGrpSpPr>
+        <p:cNvPr id="1" name=""/>
+        <p:cNvGrpSpPr/>
+        <p:nvPr/>
+      </p:nvGrpSpPr>
+      <p:grpSpPr>
+        <a:xfrm>
+          <a:off x="0" y="0"/>
+          <a:ext cx="0" cy="0"/>
+          <a:chOff x="0" y="0"/>
+          <a:chExt cx="0" cy="0"/>
+        </a:xfrm>
+      </p:grpSpPr>
+      <p:sp>
+        <p:nvSpPr>
+          <p:cNvPr id="4" name="Marcador de fecha 3"/>
+          <p:cNvSpPr>
+            <a:spLocks noGrp="1"/>
+          </p:cNvSpPr>
+          <p:nvPr>
+            <p:ph type="dt" sz="half" idx="10"/>
+          </p:nvPr>
+        </p:nvSpPr>
+        <p:spPr/>
+        <p:txBody>
+          <a:bodyPr/>
+          <a:lstStyle/>
+          <a:p>
+            <a:fld id="{40771E8B-6CA5-40B2-8038-0E112F3DAC1C}" type="datetimeFigureOut">
+              <a:rPr lang="es-ES" smtClean="0"/>
+              <a:t>20/01/2023</a:t>
+            </a:fld>
+            <a:endParaRPr lang="es-ES" dirty="0"/>
+          </a:p>
+        </p:txBody>
+      </p:sp>
+      <p:sp>
+        <p:nvSpPr>
+          <p:cNvPr id="5" name="Marcador de pie de página 4"/>
+          <p:cNvSpPr>
+            <a:spLocks noGrp="1"/>
+          </p:cNvSpPr>
+          <p:nvPr>
+            <p:ph type="ftr" sz="quarter" idx="11"/>
+          </p:nvPr>
+        </p:nvSpPr>
+        <p:spPr/>
+        <p:txBody>
+          <a:bodyPr/>
+          <a:lstStyle/>
+          <a:p>
+            <a:endParaRPr lang="es-ES" dirty="0"/>
+          </a:p>
+        </p:txBody>
+      </p:sp>
+      <p:sp>
+        <p:nvSpPr>
+          <p:cNvPr id="6" name="Marcador de número de diapositiva 5"/>
+          <p:cNvSpPr>
+            <a:spLocks noGrp="1"/>
+          </p:cNvSpPr>
+          <p:nvPr>
+            <p:ph type="sldNum" sz="quarter" idx="12"/>
+          </p:nvPr>
+        </p:nvSpPr>
+        <p:spPr/>
+        <p:txBody>
+          <a:bodyPr/>
+          <a:lstStyle/>
+          <a:p>
+            <a:fld id="{0F1556C4-DFC3-4611-A7CC-780699185E26}" type="slidenum">
+              <a:rPr lang="es-ES" smtClean="0"/>
+              <a:t>‹Nº›</a:t>
+            </a:fld>
+            <a:endParaRPr lang="es-ES" dirty="0"/>
+          </a:p>
+        </p:txBody>
+      </p:sp>
+      <p:pic>
+        <p:nvPicPr>
+          <p:cNvPr id="9" name="Imagen 6">
+            <a:extLst>
+              <a:ext uri="{FF2B5EF4-FFF2-40B4-BE49-F238E27FC236}">
+                <a16:creationId xmlns:a16="http://schemas.microsoft.com/office/drawing/2014/main" id="{0D346A1E-4A2D-49DB-B587-F1D2899FECDF}"/>
+              </a:ext>
+            </a:extLst>
+          </p:cNvPr>
+          <p:cNvPicPr>
+            <a:picLocks noChangeAspect="1"/>
+          </p:cNvPicPr>
+          <p:nvPr userDrawn="1"/>
+        </p:nvPicPr>
+        <p:blipFill>
+          <a:blip r:embed="rId2"/>
+          <a:stretch>
+            <a:fillRect/>
+          </a:stretch>
+        </p:blipFill>
+        <p:spPr>
+          <a:xfrm>
+            <a:off x="-3110" y="-1899"/>
+            <a:ext cx="12213771" cy="6869574"/>
+          </a:xfrm>
+          <a:prstGeom prst="rect">
+            <a:avLst/>
+          </a:prstGeom>
+        </p:spPr>
+      </p:pic>
+    </p:spTree>
+    <p:extLst>
+      <p:ext uri="{BB962C8B-B14F-4D97-AF65-F5344CB8AC3E}">
+        <p14:creationId xmlns:p14="http://schemas.microsoft.com/office/powerpoint/2010/main" val="162383768"/>
       </p:ext>
     </p:extLst>
   </p:cSld>
@@ -1831,7 +2877,7 @@
 
 <file path=ppt/slideLayouts/slideLayout6.xml><?xml version="1.0" encoding="utf-8"?>
 <p:sldLayout xmlns:a="http://schemas.openxmlformats.org/drawingml/2006/main" xmlns:r="http://schemas.openxmlformats.org/officeDocument/2006/relationships" xmlns:p="http://schemas.openxmlformats.org/presentationml/2006/main" type="titleOnly" preserve="1">
-  <p:cSld name="Title Only">
+  <p:cSld name="Solo el título">
     <p:spTree>
       <p:nvGrpSpPr>
         <p:cNvPr id="1" name=""/>
@@ -1848,7 +2894,7 @@
       </p:grpSpPr>
       <p:sp>
         <p:nvSpPr>
-          <p:cNvPr id="2" name="Title 1"/>
+          <p:cNvPr id="2" name="Título 1"/>
           <p:cNvSpPr>
             <a:spLocks noGrp="1"/>
           </p:cNvSpPr>
@@ -1862,15 +2908,15 @@
           <a:lstStyle/>
           <a:p>
             <a:r>
-              <a:rPr lang="en-US"/>
-              <a:t>Click to edit Master title style</a:t>
-            </a:r>
-          </a:p>
-        </p:txBody>
-      </p:sp>
-      <p:sp>
-        <p:nvSpPr>
-          <p:cNvPr id="3" name="Date Placeholder 2"/>
+              <a:rPr lang="es-ES"/>
+              <a:t>Haga clic para modificar el estilo de título del patrón</a:t>
+            </a:r>
+          </a:p>
+        </p:txBody>
+      </p:sp>
+      <p:sp>
+        <p:nvSpPr>
+          <p:cNvPr id="3" name="Marcador de fecha 2"/>
           <p:cNvSpPr>
             <a:spLocks noGrp="1"/>
           </p:cNvSpPr>
@@ -1883,17 +2929,17 @@
           <a:bodyPr/>
           <a:lstStyle/>
           <a:p>
-            <a:fld id="{241EB5C9-1307-BA42-ABA2-0BC069CD8E7F}" type="datetimeFigureOut">
-              <a:rPr lang="en-US" smtClean="0"/>
-              <a:t>1/2/22</a:t>
+            <a:fld id="{40771E8B-6CA5-40B2-8038-0E112F3DAC1C}" type="datetimeFigureOut">
+              <a:rPr lang="es-ES" smtClean="0"/>
+              <a:t>20/01/2023</a:t>
             </a:fld>
-            <a:endParaRPr lang="en-US"/>
-          </a:p>
-        </p:txBody>
-      </p:sp>
-      <p:sp>
-        <p:nvSpPr>
-          <p:cNvPr id="4" name="Footer Placeholder 3"/>
+            <a:endParaRPr lang="es-ES"/>
+          </a:p>
+        </p:txBody>
+      </p:sp>
+      <p:sp>
+        <p:nvSpPr>
+          <p:cNvPr id="4" name="Marcador de pie de página 3"/>
           <p:cNvSpPr>
             <a:spLocks noGrp="1"/>
           </p:cNvSpPr>
@@ -1906,13 +2952,13 @@
           <a:bodyPr/>
           <a:lstStyle/>
           <a:p>
-            <a:endParaRPr lang="en-US"/>
-          </a:p>
-        </p:txBody>
-      </p:sp>
-      <p:sp>
-        <p:nvSpPr>
-          <p:cNvPr id="5" name="Slide Number Placeholder 4"/>
+            <a:endParaRPr lang="es-ES"/>
+          </a:p>
+        </p:txBody>
+      </p:sp>
+      <p:sp>
+        <p:nvSpPr>
+          <p:cNvPr id="5" name="Marcador de número de diapositiva 4"/>
           <p:cNvSpPr>
             <a:spLocks noGrp="1"/>
           </p:cNvSpPr>
@@ -1925,18 +2971,18 @@
           <a:bodyPr/>
           <a:lstStyle/>
           <a:p>
-            <a:fld id="{C5EF2332-01BF-834F-8236-50238282D533}" type="slidenum">
-              <a:rPr lang="en-US" smtClean="0"/>
-              <a:t>‹#›</a:t>
+            <a:fld id="{0F1556C4-DFC3-4611-A7CC-780699185E26}" type="slidenum">
+              <a:rPr lang="es-ES" smtClean="0"/>
+              <a:t>‹Nº›</a:t>
             </a:fld>
-            <a:endParaRPr lang="en-US"/>
+            <a:endParaRPr lang="es-ES"/>
           </a:p>
         </p:txBody>
       </p:sp>
     </p:spTree>
     <p:extLst>
       <p:ext uri="{BB962C8B-B14F-4D97-AF65-F5344CB8AC3E}">
-        <p14:creationId xmlns:p14="http://schemas.microsoft.com/office/powerpoint/2010/main" val="3472721253"/>
+        <p14:creationId xmlns:p14="http://schemas.microsoft.com/office/powerpoint/2010/main" val="3630658609"/>
       </p:ext>
     </p:extLst>
   </p:cSld>
@@ -2318,7 +3364,7 @@
 
 <file path=ppt/slideLayouts/slideLayout9.xml><?xml version="1.0" encoding="utf-8"?>
 <p:sldLayout xmlns:a="http://schemas.openxmlformats.org/drawingml/2006/main" xmlns:r="http://schemas.openxmlformats.org/officeDocument/2006/relationships" xmlns:p="http://schemas.openxmlformats.org/presentationml/2006/main" type="picTx" preserve="1">
-  <p:cSld name="Picture with Caption">
+  <p:cSld name="Imagen con título">
     <p:spTree>
       <p:nvGrpSpPr>
         <p:cNvPr id="1" name=""/>
@@ -2335,7 +3381,7 @@
       </p:grpSpPr>
       <p:sp>
         <p:nvSpPr>
-          <p:cNvPr id="2" name="Title 1"/>
+          <p:cNvPr id="2" name="Título 1"/>
           <p:cNvSpPr>
             <a:spLocks noGrp="1"/>
           </p:cNvSpPr>
@@ -2345,28 +3391,28 @@
         </p:nvSpPr>
         <p:spPr>
           <a:xfrm>
-            <a:off x="1792288" y="3600450"/>
-            <a:ext cx="5486400" cy="425054"/>
+            <a:off x="839788" y="457200"/>
+            <a:ext cx="3932237" cy="1600200"/>
           </a:xfrm>
         </p:spPr>
         <p:txBody>
           <a:bodyPr anchor="b"/>
           <a:lstStyle>
-            <a:lvl1pPr algn="l">
-              <a:defRPr sz="1500" b="1"/>
+            <a:lvl1pPr>
+              <a:defRPr sz="3200"/>
             </a:lvl1pPr>
           </a:lstStyle>
           <a:p>
             <a:r>
-              <a:rPr lang="en-US"/>
-              <a:t>Click to edit Master title style</a:t>
-            </a:r>
-          </a:p>
-        </p:txBody>
-      </p:sp>
-      <p:sp>
-        <p:nvSpPr>
-          <p:cNvPr id="3" name="Picture Placeholder 2"/>
+              <a:rPr lang="es-ES"/>
+              <a:t>Haga clic para modificar el estilo de título del patrón</a:t>
+            </a:r>
+          </a:p>
+        </p:txBody>
+      </p:sp>
+      <p:sp>
+        <p:nvSpPr>
+          <p:cNvPr id="3" name="Marcador de posición de imagen 2"/>
           <p:cNvSpPr>
             <a:spLocks noGrp="1"/>
           </p:cNvSpPr>
@@ -2376,8 +3422,8 @@
         </p:nvSpPr>
         <p:spPr>
           <a:xfrm>
-            <a:off x="1792288" y="459581"/>
-            <a:ext cx="5486400" cy="3086100"/>
+            <a:off x="5183188" y="987425"/>
+            <a:ext cx="6172200" cy="4873625"/>
           </a:xfrm>
         </p:spPr>
         <p:txBody>
@@ -2385,49 +3431,49 @@
           <a:lstStyle>
             <a:lvl1pPr marL="0" indent="0">
               <a:buNone/>
+              <a:defRPr sz="3200"/>
+            </a:lvl1pPr>
+            <a:lvl2pPr marL="457200" indent="0">
+              <a:buNone/>
+              <a:defRPr sz="2800"/>
+            </a:lvl2pPr>
+            <a:lvl3pPr marL="914400" indent="0">
+              <a:buNone/>
               <a:defRPr sz="2400"/>
-            </a:lvl1pPr>
-            <a:lvl2pPr marL="342900" indent="0">
-              <a:buNone/>
-              <a:defRPr sz="2100"/>
-            </a:lvl2pPr>
-            <a:lvl3pPr marL="685800" indent="0">
-              <a:buNone/>
-              <a:defRPr sz="1800"/>
             </a:lvl3pPr>
-            <a:lvl4pPr marL="1028700" indent="0">
-              <a:buNone/>
-              <a:defRPr sz="1500"/>
+            <a:lvl4pPr marL="1371600" indent="0">
+              <a:buNone/>
+              <a:defRPr sz="2000"/>
             </a:lvl4pPr>
-            <a:lvl5pPr marL="1371600" indent="0">
-              <a:buNone/>
-              <a:defRPr sz="1500"/>
+            <a:lvl5pPr marL="1828800" indent="0">
+              <a:buNone/>
+              <a:defRPr sz="2000"/>
             </a:lvl5pPr>
-            <a:lvl6pPr marL="1714500" indent="0">
-              <a:buNone/>
-              <a:defRPr sz="1500"/>
+            <a:lvl6pPr marL="2286000" indent="0">
+              <a:buNone/>
+              <a:defRPr sz="2000"/>
             </a:lvl6pPr>
-            <a:lvl7pPr marL="2057400" indent="0">
-              <a:buNone/>
-              <a:defRPr sz="1500"/>
+            <a:lvl7pPr marL="2743200" indent="0">
+              <a:buNone/>
+              <a:defRPr sz="2000"/>
             </a:lvl7pPr>
-            <a:lvl8pPr marL="2400300" indent="0">
-              <a:buNone/>
-              <a:defRPr sz="1500"/>
+            <a:lvl8pPr marL="3200400" indent="0">
+              <a:buNone/>
+              <a:defRPr sz="2000"/>
             </a:lvl8pPr>
-            <a:lvl9pPr marL="2743200" indent="0">
-              <a:buNone/>
-              <a:defRPr sz="1500"/>
+            <a:lvl9pPr marL="3657600" indent="0">
+              <a:buNone/>
+              <a:defRPr sz="2000"/>
             </a:lvl9pPr>
           </a:lstStyle>
           <a:p>
-            <a:endParaRPr lang="en-US"/>
-          </a:p>
-        </p:txBody>
-      </p:sp>
-      <p:sp>
-        <p:nvSpPr>
-          <p:cNvPr id="4" name="Text Placeholder 3"/>
+            <a:endParaRPr lang="es-ES"/>
+          </a:p>
+        </p:txBody>
+      </p:sp>
+      <p:sp>
+        <p:nvSpPr>
+          <p:cNvPr id="4" name="Marcador de texto 3"/>
           <p:cNvSpPr>
             <a:spLocks noGrp="1"/>
           </p:cNvSpPr>
@@ -2437,8 +3483,8 @@
         </p:nvSpPr>
         <p:spPr>
           <a:xfrm>
-            <a:off x="1792288" y="4025503"/>
-            <a:ext cx="5486400" cy="603647"/>
+            <a:off x="839788" y="2057400"/>
+            <a:ext cx="3932237" cy="3811588"/>
           </a:xfrm>
         </p:spPr>
         <p:txBody>
@@ -2446,53 +3492,53 @@
           <a:lstStyle>
             <a:lvl1pPr marL="0" indent="0">
               <a:buNone/>
-              <a:defRPr sz="1050"/>
+              <a:defRPr sz="1600"/>
             </a:lvl1pPr>
-            <a:lvl2pPr marL="342900" indent="0">
-              <a:buNone/>
-              <a:defRPr sz="900"/>
+            <a:lvl2pPr marL="457200" indent="0">
+              <a:buNone/>
+              <a:defRPr sz="1400"/>
             </a:lvl2pPr>
-            <a:lvl3pPr marL="685800" indent="0">
-              <a:buNone/>
-              <a:defRPr sz="750"/>
+            <a:lvl3pPr marL="914400" indent="0">
+              <a:buNone/>
+              <a:defRPr sz="1200"/>
             </a:lvl3pPr>
-            <a:lvl4pPr marL="1028700" indent="0">
-              <a:buNone/>
-              <a:defRPr sz="675"/>
+            <a:lvl4pPr marL="1371600" indent="0">
+              <a:buNone/>
+              <a:defRPr sz="1000"/>
             </a:lvl4pPr>
-            <a:lvl5pPr marL="1371600" indent="0">
-              <a:buNone/>
-              <a:defRPr sz="675"/>
+            <a:lvl5pPr marL="1828800" indent="0">
+              <a:buNone/>
+              <a:defRPr sz="1000"/>
             </a:lvl5pPr>
-            <a:lvl6pPr marL="1714500" indent="0">
-              <a:buNone/>
-              <a:defRPr sz="675"/>
+            <a:lvl6pPr marL="2286000" indent="0">
+              <a:buNone/>
+              <a:defRPr sz="1000"/>
             </a:lvl6pPr>
-            <a:lvl7pPr marL="2057400" indent="0">
-              <a:buNone/>
-              <a:defRPr sz="675"/>
+            <a:lvl7pPr marL="2743200" indent="0">
+              <a:buNone/>
+              <a:defRPr sz="1000"/>
             </a:lvl7pPr>
-            <a:lvl8pPr marL="2400300" indent="0">
-              <a:buNone/>
-              <a:defRPr sz="675"/>
+            <a:lvl8pPr marL="3200400" indent="0">
+              <a:buNone/>
+              <a:defRPr sz="1000"/>
             </a:lvl8pPr>
-            <a:lvl9pPr marL="2743200" indent="0">
-              <a:buNone/>
-              <a:defRPr sz="675"/>
+            <a:lvl9pPr marL="3657600" indent="0">
+              <a:buNone/>
+              <a:defRPr sz="1000"/>
             </a:lvl9pPr>
           </a:lstStyle>
           <a:p>
             <a:pPr lvl="0"/>
             <a:r>
-              <a:rPr lang="en-US"/>
-              <a:t>Click to edit Master text styles</a:t>
-            </a:r>
-          </a:p>
-        </p:txBody>
-      </p:sp>
-      <p:sp>
-        <p:nvSpPr>
-          <p:cNvPr id="5" name="Date Placeholder 4"/>
+              <a:rPr lang="es-ES"/>
+              <a:t>Haga clic para modificar el estilo de texto del patrón</a:t>
+            </a:r>
+          </a:p>
+        </p:txBody>
+      </p:sp>
+      <p:sp>
+        <p:nvSpPr>
+          <p:cNvPr id="5" name="Marcador de fecha 4"/>
           <p:cNvSpPr>
             <a:spLocks noGrp="1"/>
           </p:cNvSpPr>
@@ -2505,17 +3551,17 @@
           <a:bodyPr/>
           <a:lstStyle/>
           <a:p>
-            <a:fld id="{241EB5C9-1307-BA42-ABA2-0BC069CD8E7F}" type="datetimeFigureOut">
-              <a:rPr lang="en-US" smtClean="0"/>
-              <a:t>1/2/22</a:t>
+            <a:fld id="{40771E8B-6CA5-40B2-8038-0E112F3DAC1C}" type="datetimeFigureOut">
+              <a:rPr lang="es-ES" smtClean="0"/>
+              <a:t>20/01/2023</a:t>
             </a:fld>
-            <a:endParaRPr lang="en-US"/>
-          </a:p>
-        </p:txBody>
-      </p:sp>
-      <p:sp>
-        <p:nvSpPr>
-          <p:cNvPr id="6" name="Footer Placeholder 5"/>
+            <a:endParaRPr lang="es-ES"/>
+          </a:p>
+        </p:txBody>
+      </p:sp>
+      <p:sp>
+        <p:nvSpPr>
+          <p:cNvPr id="6" name="Marcador de pie de página 5"/>
           <p:cNvSpPr>
             <a:spLocks noGrp="1"/>
           </p:cNvSpPr>
@@ -2528,13 +3574,13 @@
           <a:bodyPr/>
           <a:lstStyle/>
           <a:p>
-            <a:endParaRPr lang="en-US"/>
-          </a:p>
-        </p:txBody>
-      </p:sp>
-      <p:sp>
-        <p:nvSpPr>
-          <p:cNvPr id="7" name="Slide Number Placeholder 6"/>
+            <a:endParaRPr lang="es-ES"/>
+          </a:p>
+        </p:txBody>
+      </p:sp>
+      <p:sp>
+        <p:nvSpPr>
+          <p:cNvPr id="7" name="Marcador de número de diapositiva 6"/>
           <p:cNvSpPr>
             <a:spLocks noGrp="1"/>
           </p:cNvSpPr>
@@ -2547,18 +3593,18 @@
           <a:bodyPr/>
           <a:lstStyle/>
           <a:p>
-            <a:fld id="{C5EF2332-01BF-834F-8236-50238282D533}" type="slidenum">
-              <a:rPr lang="en-US" smtClean="0"/>
-              <a:t>‹#›</a:t>
+            <a:fld id="{0F1556C4-DFC3-4611-A7CC-780699185E26}" type="slidenum">
+              <a:rPr lang="es-ES" smtClean="0"/>
+              <a:t>‹Nº›</a:t>
             </a:fld>
-            <a:endParaRPr lang="en-US"/>
+            <a:endParaRPr lang="es-ES"/>
           </a:p>
         </p:txBody>
       </p:sp>
     </p:spTree>
     <p:extLst>
       <p:ext uri="{BB962C8B-B14F-4D97-AF65-F5344CB8AC3E}">
-        <p14:creationId xmlns:p14="http://schemas.microsoft.com/office/powerpoint/2010/main" val="3566899855"/>
+        <p14:creationId xmlns:p14="http://schemas.microsoft.com/office/powerpoint/2010/main" val="383603595"/>
       </p:ext>
     </p:extLst>
   </p:cSld>
@@ -2572,9 +3618,16 @@
 <p:sldMaster xmlns:a="http://schemas.openxmlformats.org/drawingml/2006/main" xmlns:p="http://schemas.openxmlformats.org/presentationml/2006/main" xmlns:r="http://schemas.openxmlformats.org/officeDocument/2006/relationships">
   <p:cSld>
     <p:bg>
-      <p:bgRef idx="1001">
-        <a:schemeClr val="bg1"/>
-      </p:bgRef>
+      <p:bgPr>
+        <a:blipFill dpi="0" rotWithShape="1">
+          <a:blip r:embed="rId17"/>
+          <a:srcRect/>
+          <a:stretch>
+            <a:fillRect/>
+          </a:stretch>
+        </a:blipFill>
+        <a:effectLst/>
+      </p:bgPr>
     </p:bg>
     <p:spTree>
       <p:nvGrpSpPr>
@@ -2592,7 +3645,7 @@
       </p:grpSpPr>
       <p:sp>
         <p:nvSpPr>
-          <p:cNvPr id="2" name="Title Placeholder 1"/>
+          <p:cNvPr id="2" name="Marcador de título 1"/>
           <p:cNvSpPr>
             <a:spLocks noGrp="1"/>
           </p:cNvSpPr>
@@ -2602,8 +3655,8 @@
         </p:nvSpPr>
         <p:spPr>
           <a:xfrm>
-            <a:off x="457200" y="205979"/>
-            <a:ext cx="8229600" cy="857250"/>
+            <a:off x="838200" y="365125"/>
+            <a:ext cx="10515600" cy="1325563"/>
           </a:xfrm>
           <a:prstGeom prst="rect">
             <a:avLst/>
@@ -2616,15 +3669,15 @@
           <a:lstStyle/>
           <a:p>
             <a:r>
-              <a:rPr lang="en-US"/>
-              <a:t>Click to edit Master title style</a:t>
-            </a:r>
-          </a:p>
-        </p:txBody>
-      </p:sp>
-      <p:sp>
-        <p:nvSpPr>
-          <p:cNvPr id="3" name="Text Placeholder 2"/>
+              <a:rPr lang="es-ES"/>
+              <a:t>Haga clic para modificar el estilo de título del patrón</a:t>
+            </a:r>
+          </a:p>
+        </p:txBody>
+      </p:sp>
+      <p:sp>
+        <p:nvSpPr>
+          <p:cNvPr id="3" name="Marcador de texto 2"/>
           <p:cNvSpPr>
             <a:spLocks noGrp="1"/>
           </p:cNvSpPr>
@@ -2634,8 +3687,8 @@
         </p:nvSpPr>
         <p:spPr>
           <a:xfrm>
-            <a:off x="457200" y="1200151"/>
-            <a:ext cx="8229600" cy="3394472"/>
+            <a:off x="838200" y="1825625"/>
+            <a:ext cx="10515600" cy="4351338"/>
           </a:xfrm>
           <a:prstGeom prst="rect">
             <a:avLst/>
@@ -2649,43 +3702,43 @@
           <a:p>
             <a:pPr lvl="0"/>
             <a:r>
-              <a:rPr lang="en-US"/>
-              <a:t>Click to edit Master text styles</a:t>
+              <a:rPr lang="es-ES"/>
+              <a:t>Haga clic para modificar el estilo de texto del patrón</a:t>
             </a:r>
           </a:p>
           <a:p>
             <a:pPr lvl="1"/>
             <a:r>
-              <a:rPr lang="en-US"/>
-              <a:t>Second level</a:t>
+              <a:rPr lang="es-ES"/>
+              <a:t>Segundo nivel</a:t>
             </a:r>
           </a:p>
           <a:p>
             <a:pPr lvl="2"/>
             <a:r>
-              <a:rPr lang="en-US"/>
-              <a:t>Third level</a:t>
+              <a:rPr lang="es-ES"/>
+              <a:t>Tercer nivel</a:t>
             </a:r>
           </a:p>
           <a:p>
             <a:pPr lvl="3"/>
             <a:r>
-              <a:rPr lang="en-US"/>
-              <a:t>Fourth level</a:t>
+              <a:rPr lang="es-ES"/>
+              <a:t>Cuarto nivel</a:t>
             </a:r>
           </a:p>
           <a:p>
             <a:pPr lvl="4"/>
             <a:r>
-              <a:rPr lang="en-US"/>
-              <a:t>Fifth level</a:t>
-            </a:r>
-          </a:p>
-        </p:txBody>
-      </p:sp>
-      <p:sp>
-        <p:nvSpPr>
-          <p:cNvPr id="4" name="Date Placeholder 3"/>
+              <a:rPr lang="es-ES"/>
+              <a:t>Quinto nivel</a:t>
+            </a:r>
+          </a:p>
+        </p:txBody>
+      </p:sp>
+      <p:sp>
+        <p:nvSpPr>
+          <p:cNvPr id="4" name="Marcador de fecha 3"/>
           <p:cNvSpPr>
             <a:spLocks noGrp="1"/>
           </p:cNvSpPr>
@@ -2695,8 +3748,8 @@
         </p:nvSpPr>
         <p:spPr>
           <a:xfrm>
-            <a:off x="457200" y="4767263"/>
-            <a:ext cx="2133600" cy="273844"/>
+            <a:off x="838200" y="6356350"/>
+            <a:ext cx="2743200" cy="365125"/>
           </a:xfrm>
           <a:prstGeom prst="rect">
             <a:avLst/>
@@ -2706,7 +3759,7 @@
           <a:bodyPr anchor="ctr" bIns="45720" lIns="91440" rIns="91440" rtlCol="0" tIns="45720" vert="horz"/>
           <a:lstStyle>
             <a:lvl1pPr algn="l">
-              <a:defRPr sz="900">
+              <a:defRPr sz="1200">
                 <a:solidFill>
                   <a:schemeClr val="tx1">
                     <a:tint val="75000"/>
@@ -2716,17 +3769,17 @@
             </a:lvl1pPr>
           </a:lstStyle>
           <a:p>
-            <a:fld id="{241EB5C9-1307-BA42-ABA2-0BC069CD8E7F}" type="datetimeFigureOut">
-              <a:rPr lang="en-US" smtClean="0"/>
-              <a:t>1/2/22</a:t>
+            <a:fld id="{40771E8B-6CA5-40B2-8038-0E112F3DAC1C}" type="datetimeFigureOut">
+              <a:rPr lang="es-ES" smtClean="0"/>
+              <a:t>20/01/2023</a:t>
             </a:fld>
-            <a:endParaRPr lang="en-US"/>
-          </a:p>
-        </p:txBody>
-      </p:sp>
-      <p:sp>
-        <p:nvSpPr>
-          <p:cNvPr id="5" name="Footer Placeholder 4"/>
+            <a:endParaRPr lang="es-ES"/>
+          </a:p>
+        </p:txBody>
+      </p:sp>
+      <p:sp>
+        <p:nvSpPr>
+          <p:cNvPr id="5" name="Marcador de pie de página 4"/>
           <p:cNvSpPr>
             <a:spLocks noGrp="1"/>
           </p:cNvSpPr>
@@ -2736,8 +3789,8 @@
         </p:nvSpPr>
         <p:spPr>
           <a:xfrm>
-            <a:off x="3124200" y="4767263"/>
-            <a:ext cx="2895600" cy="273844"/>
+            <a:off x="4038600" y="6356350"/>
+            <a:ext cx="4114800" cy="365125"/>
           </a:xfrm>
           <a:prstGeom prst="rect">
             <a:avLst/>
@@ -2747,7 +3800,7 @@
           <a:bodyPr anchor="ctr" bIns="45720" lIns="91440" rIns="91440" rtlCol="0" tIns="45720" vert="horz"/>
           <a:lstStyle>
             <a:lvl1pPr algn="ctr">
-              <a:defRPr sz="900">
+              <a:defRPr sz="1200">
                 <a:solidFill>
                   <a:schemeClr val="tx1">
                     <a:tint val="75000"/>
@@ -2757,13 +3810,13 @@
             </a:lvl1pPr>
           </a:lstStyle>
           <a:p>
-            <a:endParaRPr lang="en-US"/>
-          </a:p>
-        </p:txBody>
-      </p:sp>
-      <p:sp>
-        <p:nvSpPr>
-          <p:cNvPr id="6" name="Slide Number Placeholder 5"/>
+            <a:endParaRPr lang="es-ES"/>
+          </a:p>
+        </p:txBody>
+      </p:sp>
+      <p:sp>
+        <p:nvSpPr>
+          <p:cNvPr id="6" name="Marcador de número de diapositiva 5"/>
           <p:cNvSpPr>
             <a:spLocks noGrp="1"/>
           </p:cNvSpPr>
@@ -2773,8 +3826,8 @@
         </p:nvSpPr>
         <p:spPr>
           <a:xfrm>
-            <a:off x="6553200" y="4767263"/>
-            <a:ext cx="2133600" cy="273844"/>
+            <a:off x="8610600" y="6356350"/>
+            <a:ext cx="2743200" cy="365125"/>
           </a:xfrm>
           <a:prstGeom prst="rect">
             <a:avLst/>
@@ -2784,7 +3837,7 @@
           <a:bodyPr anchor="ctr" bIns="45720" lIns="91440" rIns="91440" rtlCol="0" tIns="45720" vert="horz"/>
           <a:lstStyle>
             <a:lvl1pPr algn="r">
-              <a:defRPr sz="900">
+              <a:defRPr sz="1200">
                 <a:solidFill>
                   <a:schemeClr val="tx1">
                     <a:tint val="75000"/>
@@ -2794,18 +3847,18 @@
             </a:lvl1pPr>
           </a:lstStyle>
           <a:p>
-            <a:fld id="{C5EF2332-01BF-834F-8236-50238282D533}" type="slidenum">
-              <a:rPr lang="en-US" smtClean="0"/>
-              <a:t>‹#›</a:t>
+            <a:fld id="{0F1556C4-DFC3-4611-A7CC-780699185E26}" type="slidenum">
+              <a:rPr lang="es-ES" smtClean="0"/>
+              <a:t>‹Nº›</a:t>
             </a:fld>
-            <a:endParaRPr lang="en-US"/>
+            <a:endParaRPr lang="es-ES"/>
           </a:p>
         </p:txBody>
       </p:sp>
     </p:spTree>
     <p:extLst>
       <p:ext uri="{BB962C8B-B14F-4D97-AF65-F5344CB8AC3E}">
-        <p14:creationId xmlns:p14="http://schemas.microsoft.com/office/powerpoint/2010/main" val="3676200875"/>
+        <p14:creationId xmlns:p14="http://schemas.microsoft.com/office/powerpoint/2010/main" val="2933118997"/>
       </p:ext>
     </p:extLst>
   </p:cSld>
@@ -2822,15 +3875,22 @@
     <p:sldLayoutId id="2147483657" r:id="rId9"/>
     <p:sldLayoutId id="2147483658" r:id="rId10"/>
     <p:sldLayoutId id="2147483659" r:id="rId11"/>
+    <p:sldLayoutId id="2147483660" r:id="rId12"/>
+    <p:sldLayoutId id="2147483661" r:id="rId13"/>
+    <p:sldLayoutId id="2147483662" r:id="rId14"/>
+    <p:sldLayoutId id="2147483663" r:id="rId15"/>
   </p:sldLayoutIdLst>
   <p:txStyles>
     <p:titleStyle>
-      <a:lvl1pPr algn="ctr" defTabSz="342900" eaLnBrk="1" hangingPunct="1" latinLnBrk="0" rtl="0">
+      <a:lvl1pPr algn="l" defTabSz="914400" eaLnBrk="1" hangingPunct="1" latinLnBrk="0" rtl="0">
+        <a:lnSpc>
+          <a:spcPct val="90000"/>
+        </a:lnSpc>
         <a:spcBef>
           <a:spcPct val="0"/>
         </a:spcBef>
         <a:buNone/>
-        <a:defRPr kern="1200" sz="3300">
+        <a:defRPr kern="1200" sz="4400">
           <a:solidFill>
             <a:schemeClr val="tx1"/>
           </a:solidFill>
@@ -2841,11 +3901,32 @@
       </a:lvl1pPr>
     </p:titleStyle>
     <p:bodyStyle>
-      <a:lvl1pPr algn="l" defTabSz="342900" eaLnBrk="1" hangingPunct="1" indent="-342900" latinLnBrk="0" marL="342900" rtl="0">
+      <a:lvl1pPr algn="l" defTabSz="914400" eaLnBrk="1" hangingPunct="1" indent="-228600" latinLnBrk="0" marL="228600" rtl="0">
+        <a:lnSpc>
+          <a:spcPct val="90000"/>
+        </a:lnSpc>
         <a:spcBef>
-          <a:spcPct val="20000"/>
+          <a:spcPts val="1000"/>
         </a:spcBef>
-        <a:buFont typeface="Arial"/>
+        <a:buFont charset="0" panose="020B0604020202020204" pitchFamily="34" typeface="Arial"/>
+        <a:buChar char="•"/>
+        <a:defRPr kern="1200" sz="2800">
+          <a:solidFill>
+            <a:schemeClr val="tx1"/>
+          </a:solidFill>
+          <a:latin typeface="+mn-lt"/>
+          <a:ea typeface="+mn-ea"/>
+          <a:cs typeface="+mn-cs"/>
+        </a:defRPr>
+      </a:lvl1pPr>
+      <a:lvl2pPr algn="l" defTabSz="914400" eaLnBrk="1" hangingPunct="1" indent="-228600" latinLnBrk="0" marL="685800" rtl="0">
+        <a:lnSpc>
+          <a:spcPct val="90000"/>
+        </a:lnSpc>
+        <a:spcBef>
+          <a:spcPts val="500"/>
+        </a:spcBef>
+        <a:buFont charset="0" panose="020B0604020202020204" pitchFamily="34" typeface="Arial"/>
         <a:buChar char="•"/>
         <a:defRPr kern="1200" sz="2400">
           <a:solidFill>
@@ -2855,14 +3936,17 @@
           <a:ea typeface="+mn-ea"/>
           <a:cs typeface="+mn-cs"/>
         </a:defRPr>
-      </a:lvl1pPr>
-      <a:lvl2pPr algn="l" defTabSz="342900" eaLnBrk="1" hangingPunct="1" indent="-342900" latinLnBrk="0" marL="685800" rtl="0">
+      </a:lvl2pPr>
+      <a:lvl3pPr algn="l" defTabSz="914400" eaLnBrk="1" hangingPunct="1" indent="-228600" latinLnBrk="0" marL="1143000" rtl="0">
+        <a:lnSpc>
+          <a:spcPct val="90000"/>
+        </a:lnSpc>
         <a:spcBef>
-          <a:spcPct val="20000"/>
+          <a:spcPts val="500"/>
         </a:spcBef>
-        <a:buFont typeface="Arial"/>
-        <a:buChar char="–"/>
-        <a:defRPr kern="1200" sz="2100">
+        <a:buFont charset="0" panose="020B0604020202020204" pitchFamily="34" typeface="Arial"/>
+        <a:buChar char="•"/>
+        <a:defRPr kern="1200" sz="2000">
           <a:solidFill>
             <a:schemeClr val="tx1"/>
           </a:solidFill>
@@ -2870,12 +3954,15 @@
           <a:ea typeface="+mn-ea"/>
           <a:cs typeface="+mn-cs"/>
         </a:defRPr>
-      </a:lvl2pPr>
-      <a:lvl3pPr algn="l" defTabSz="342900" eaLnBrk="1" hangingPunct="1" indent="-342900" latinLnBrk="0" marL="1028700" rtl="0">
+      </a:lvl3pPr>
+      <a:lvl4pPr algn="l" defTabSz="914400" eaLnBrk="1" hangingPunct="1" indent="-228600" latinLnBrk="0" marL="1600200" rtl="0">
+        <a:lnSpc>
+          <a:spcPct val="90000"/>
+        </a:lnSpc>
         <a:spcBef>
-          <a:spcPct val="20000"/>
+          <a:spcPts val="500"/>
         </a:spcBef>
-        <a:buFont typeface="Arial"/>
+        <a:buFont charset="0" panose="020B0604020202020204" pitchFamily="34" typeface="Arial"/>
         <a:buChar char="•"/>
         <a:defRPr kern="1200" sz="1800">
           <a:solidFill>
@@ -2885,29 +3972,17 @@
           <a:ea typeface="+mn-ea"/>
           <a:cs typeface="+mn-cs"/>
         </a:defRPr>
-      </a:lvl3pPr>
-      <a:lvl4pPr algn="l" defTabSz="342900" eaLnBrk="1" hangingPunct="1" indent="-342900" latinLnBrk="0" marL="1371600" rtl="0">
+      </a:lvl4pPr>
+      <a:lvl5pPr algn="l" defTabSz="914400" eaLnBrk="1" hangingPunct="1" indent="-228600" latinLnBrk="0" marL="2057400" rtl="0">
+        <a:lnSpc>
+          <a:spcPct val="90000"/>
+        </a:lnSpc>
         <a:spcBef>
-          <a:spcPct val="20000"/>
+          <a:spcPts val="500"/>
         </a:spcBef>
-        <a:buFont typeface="Arial"/>
-        <a:buChar char="–"/>
-        <a:defRPr kern="1200" sz="1500">
-          <a:solidFill>
-            <a:schemeClr val="tx1"/>
-          </a:solidFill>
-          <a:latin typeface="+mn-lt"/>
-          <a:ea typeface="+mn-ea"/>
-          <a:cs typeface="+mn-cs"/>
-        </a:defRPr>
-      </a:lvl4pPr>
-      <a:lvl5pPr algn="l" defTabSz="342900" eaLnBrk="1" hangingPunct="1" indent="-342900" latinLnBrk="0" marL="1714500" rtl="0">
-        <a:spcBef>
-          <a:spcPct val="20000"/>
-        </a:spcBef>
-        <a:buFont typeface="Arial"/>
-        <a:buChar char="»"/>
-        <a:defRPr kern="1200" sz="1500">
+        <a:buFont charset="0" panose="020B0604020202020204" pitchFamily="34" typeface="Arial"/>
+        <a:buChar char="•"/>
+        <a:defRPr kern="1200" sz="1800">
           <a:solidFill>
             <a:schemeClr val="tx1"/>
           </a:solidFill>
@@ -2916,13 +3991,16 @@
           <a:cs typeface="+mn-cs"/>
         </a:defRPr>
       </a:lvl5pPr>
-      <a:lvl6pPr algn="l" defTabSz="342900" eaLnBrk="1" hangingPunct="1" indent="-342900" latinLnBrk="0" marL="2057400" rtl="0">
+      <a:lvl6pPr algn="l" defTabSz="914400" eaLnBrk="1" hangingPunct="1" indent="-228600" latinLnBrk="0" marL="2514600" rtl="0">
+        <a:lnSpc>
+          <a:spcPct val="90000"/>
+        </a:lnSpc>
         <a:spcBef>
-          <a:spcPct val="20000"/>
+          <a:spcPts val="500"/>
         </a:spcBef>
-        <a:buFont typeface="Arial"/>
+        <a:buFont charset="0" panose="020B0604020202020204" pitchFamily="34" typeface="Arial"/>
         <a:buChar char="•"/>
-        <a:defRPr kern="1200" sz="1500">
+        <a:defRPr kern="1200" sz="1800">
           <a:solidFill>
             <a:schemeClr val="tx1"/>
           </a:solidFill>
@@ -2931,13 +4009,16 @@
           <a:cs typeface="+mn-cs"/>
         </a:defRPr>
       </a:lvl6pPr>
-      <a:lvl7pPr algn="l" defTabSz="342900" eaLnBrk="1" hangingPunct="1" indent="-342900" latinLnBrk="0" marL="2400300" rtl="0">
+      <a:lvl7pPr algn="l" defTabSz="914400" eaLnBrk="1" hangingPunct="1" indent="-228600" latinLnBrk="0" marL="2971800" rtl="0">
+        <a:lnSpc>
+          <a:spcPct val="90000"/>
+        </a:lnSpc>
         <a:spcBef>
-          <a:spcPct val="20000"/>
+          <a:spcPts val="500"/>
         </a:spcBef>
-        <a:buFont typeface="Arial"/>
+        <a:buFont charset="0" panose="020B0604020202020204" pitchFamily="34" typeface="Arial"/>
         <a:buChar char="•"/>
-        <a:defRPr kern="1200" sz="1500">
+        <a:defRPr kern="1200" sz="1800">
           <a:solidFill>
             <a:schemeClr val="tx1"/>
           </a:solidFill>
@@ -2946,13 +4027,16 @@
           <a:cs typeface="+mn-cs"/>
         </a:defRPr>
       </a:lvl7pPr>
-      <a:lvl8pPr algn="l" defTabSz="342900" eaLnBrk="1" hangingPunct="1" indent="-342900" latinLnBrk="0" marL="2743200" rtl="0">
+      <a:lvl8pPr algn="l" defTabSz="914400" eaLnBrk="1" hangingPunct="1" indent="-228600" latinLnBrk="0" marL="3429000" rtl="0">
+        <a:lnSpc>
+          <a:spcPct val="90000"/>
+        </a:lnSpc>
         <a:spcBef>
-          <a:spcPct val="20000"/>
+          <a:spcPts val="500"/>
         </a:spcBef>
-        <a:buFont typeface="Arial"/>
+        <a:buFont charset="0" panose="020B0604020202020204" pitchFamily="34" typeface="Arial"/>
         <a:buChar char="•"/>
-        <a:defRPr kern="1200" sz="1500">
+        <a:defRPr kern="1200" sz="1800">
           <a:solidFill>
             <a:schemeClr val="tx1"/>
           </a:solidFill>
@@ -2961,13 +4045,16 @@
           <a:cs typeface="+mn-cs"/>
         </a:defRPr>
       </a:lvl8pPr>
-      <a:lvl9pPr algn="l" defTabSz="342900" eaLnBrk="1" hangingPunct="1" indent="-342900" latinLnBrk="0" marL="3086100" rtl="0">
+      <a:lvl9pPr algn="l" defTabSz="914400" eaLnBrk="1" hangingPunct="1" indent="-228600" latinLnBrk="0" marL="3886200" rtl="0">
+        <a:lnSpc>
+          <a:spcPct val="90000"/>
+        </a:lnSpc>
         <a:spcBef>
-          <a:spcPct val="20000"/>
+          <a:spcPts val="500"/>
         </a:spcBef>
-        <a:buFont typeface="Arial"/>
+        <a:buFont charset="0" panose="020B0604020202020204" pitchFamily="34" typeface="Arial"/>
         <a:buChar char="•"/>
-        <a:defRPr kern="1200" sz="1500">
+        <a:defRPr kern="1200" sz="1800">
           <a:solidFill>
             <a:schemeClr val="tx1"/>
           </a:solidFill>
@@ -2979,10 +4066,10 @@
     </p:bodyStyle>
     <p:otherStyle>
       <a:defPPr>
-        <a:defRPr lang="en-US"/>
+        <a:defRPr lang="es-ES"/>
       </a:defPPr>
-      <a:lvl1pPr algn="l" defTabSz="342900" eaLnBrk="1" hangingPunct="1" latinLnBrk="0" marL="0" rtl="0">
-        <a:defRPr kern="1200" sz="1350">
+      <a:lvl1pPr algn="l" defTabSz="914400" eaLnBrk="1" hangingPunct="1" latinLnBrk="0" marL="0" rtl="0">
+        <a:defRPr kern="1200" sz="1800">
           <a:solidFill>
             <a:schemeClr val="tx1"/>
           </a:solidFill>
@@ -2991,8 +4078,8 @@
           <a:cs typeface="+mn-cs"/>
         </a:defRPr>
       </a:lvl1pPr>
-      <a:lvl2pPr algn="l" defTabSz="342900" eaLnBrk="1" hangingPunct="1" latinLnBrk="0" marL="342900" rtl="0">
-        <a:defRPr kern="1200" sz="1350">
+      <a:lvl2pPr algn="l" defTabSz="914400" eaLnBrk="1" hangingPunct="1" latinLnBrk="0" marL="457200" rtl="0">
+        <a:defRPr kern="1200" sz="1800">
           <a:solidFill>
             <a:schemeClr val="tx1"/>
           </a:solidFill>
@@ -3001,8 +4088,8 @@
           <a:cs typeface="+mn-cs"/>
         </a:defRPr>
       </a:lvl2pPr>
-      <a:lvl3pPr algn="l" defTabSz="342900" eaLnBrk="1" hangingPunct="1" latinLnBrk="0" marL="685800" rtl="0">
-        <a:defRPr kern="1200" sz="1350">
+      <a:lvl3pPr algn="l" defTabSz="914400" eaLnBrk="1" hangingPunct="1" latinLnBrk="0" marL="914400" rtl="0">
+        <a:defRPr kern="1200" sz="1800">
           <a:solidFill>
             <a:schemeClr val="tx1"/>
           </a:solidFill>
@@ -3011,8 +4098,8 @@
           <a:cs typeface="+mn-cs"/>
         </a:defRPr>
       </a:lvl3pPr>
-      <a:lvl4pPr algn="l" defTabSz="342900" eaLnBrk="1" hangingPunct="1" latinLnBrk="0" marL="1028700" rtl="0">
-        <a:defRPr kern="1200" sz="1350">
+      <a:lvl4pPr algn="l" defTabSz="914400" eaLnBrk="1" hangingPunct="1" latinLnBrk="0" marL="1371600" rtl="0">
+        <a:defRPr kern="1200" sz="1800">
           <a:solidFill>
             <a:schemeClr val="tx1"/>
           </a:solidFill>
@@ -3021,8 +4108,8 @@
           <a:cs typeface="+mn-cs"/>
         </a:defRPr>
       </a:lvl4pPr>
-      <a:lvl5pPr algn="l" defTabSz="342900" eaLnBrk="1" hangingPunct="1" latinLnBrk="0" marL="1371600" rtl="0">
-        <a:defRPr kern="1200" sz="1350">
+      <a:lvl5pPr algn="l" defTabSz="914400" eaLnBrk="1" hangingPunct="1" latinLnBrk="0" marL="1828800" rtl="0">
+        <a:defRPr kern="1200" sz="1800">
           <a:solidFill>
             <a:schemeClr val="tx1"/>
           </a:solidFill>
@@ -3031,8 +4118,8 @@
           <a:cs typeface="+mn-cs"/>
         </a:defRPr>
       </a:lvl5pPr>
-      <a:lvl6pPr algn="l" defTabSz="342900" eaLnBrk="1" hangingPunct="1" latinLnBrk="0" marL="1714500" rtl="0">
-        <a:defRPr kern="1200" sz="1350">
+      <a:lvl6pPr algn="l" defTabSz="914400" eaLnBrk="1" hangingPunct="1" latinLnBrk="0" marL="2286000" rtl="0">
+        <a:defRPr kern="1200" sz="1800">
           <a:solidFill>
             <a:schemeClr val="tx1"/>
           </a:solidFill>
@@ -3041,8 +4128,8 @@
           <a:cs typeface="+mn-cs"/>
         </a:defRPr>
       </a:lvl6pPr>
-      <a:lvl7pPr algn="l" defTabSz="342900" eaLnBrk="1" hangingPunct="1" latinLnBrk="0" marL="2057400" rtl="0">
-        <a:defRPr kern="1200" sz="1350">
+      <a:lvl7pPr algn="l" defTabSz="914400" eaLnBrk="1" hangingPunct="1" latinLnBrk="0" marL="2743200" rtl="0">
+        <a:defRPr kern="1200" sz="1800">
           <a:solidFill>
             <a:schemeClr val="tx1"/>
           </a:solidFill>
@@ -3051,8 +4138,8 @@
           <a:cs typeface="+mn-cs"/>
         </a:defRPr>
       </a:lvl7pPr>
-      <a:lvl8pPr algn="l" defTabSz="342900" eaLnBrk="1" hangingPunct="1" latinLnBrk="0" marL="2400300" rtl="0">
-        <a:defRPr kern="1200" sz="1350">
+      <a:lvl8pPr algn="l" defTabSz="914400" eaLnBrk="1" hangingPunct="1" latinLnBrk="0" marL="3200400" rtl="0">
+        <a:defRPr kern="1200" sz="1800">
           <a:solidFill>
             <a:schemeClr val="tx1"/>
           </a:solidFill>
@@ -3061,8 +4148,8 @@
           <a:cs typeface="+mn-cs"/>
         </a:defRPr>
       </a:lvl8pPr>
-      <a:lvl9pPr algn="l" defTabSz="342900" eaLnBrk="1" hangingPunct="1" latinLnBrk="0" marL="2743200" rtl="0">
-        <a:defRPr kern="1200" sz="1350">
+      <a:lvl9pPr algn="l" defTabSz="914400" eaLnBrk="1" hangingPunct="1" latinLnBrk="0" marL="3657600" rtl="0">
+        <a:defRPr kern="1200" sz="1800">
           <a:solidFill>
             <a:schemeClr val="tx1"/>
           </a:solidFill>
@@ -3148,6 +4235,10 @@
             </a:pPr>
             <a:br/>
             <a:br/>
+            <a:r>
+              <a:rPr/>
+              <a:t>William V. Paredes</a:t>
+            </a:r>
           </a:p>
         </p:txBody>
       </p:sp>
@@ -3193,7 +4284,7 @@
             </a:pPr>
             <a:r>
               <a:rPr/>
-              <a:t>Quarto</a:t>
+              <a:t>Bienvenidos</a:t>
             </a:r>
           </a:p>
         </p:txBody>
@@ -3424,327 +4515,7 @@
 </file>
 
 <file path=ppt/theme/theme1.xml><?xml version="1.0" encoding="utf-8"?>
-<a:theme xmlns:a="http://schemas.openxmlformats.org/drawingml/2006/main" name="Office Theme">
-  <a:themeElements>
-    <a:clrScheme name="Office">
-      <a:dk1>
-        <a:sysClr val="windowText" lastClr="000000"/>
-      </a:dk1>
-      <a:lt1>
-        <a:sysClr val="window" lastClr="FFFFFF"/>
-      </a:lt1>
-      <a:dk2>
-        <a:srgbClr val="1F497D"/>
-      </a:dk2>
-      <a:lt2>
-        <a:srgbClr val="EEECE1"/>
-      </a:lt2>
-      <a:accent1>
-        <a:srgbClr val="4F81BD"/>
-      </a:accent1>
-      <a:accent2>
-        <a:srgbClr val="C0504D"/>
-      </a:accent2>
-      <a:accent3>
-        <a:srgbClr val="9BBB59"/>
-      </a:accent3>
-      <a:accent4>
-        <a:srgbClr val="8064A2"/>
-      </a:accent4>
-      <a:accent5>
-        <a:srgbClr val="4BACC6"/>
-      </a:accent5>
-      <a:accent6>
-        <a:srgbClr val="F79646"/>
-      </a:accent6>
-      <a:hlink>
-        <a:srgbClr val="0000FF"/>
-      </a:hlink>
-      <a:folHlink>
-        <a:srgbClr val="800080"/>
-      </a:folHlink>
-    </a:clrScheme>
-    <a:fontScheme name="Office">
-      <a:majorFont>
-        <a:latin typeface="Calibri"/>
-        <a:ea typeface=""/>
-        <a:cs typeface=""/>
-        <a:font script="Jpan" typeface="ＭＳ Ｐゴシック"/>
-        <a:font script="Hang" typeface="맑은 고딕"/>
-        <a:font script="Hans" typeface="宋体"/>
-        <a:font script="Hant" typeface="新細明體"/>
-        <a:font script="Arab" typeface="Times New Roman"/>
-        <a:font script="Hebr" typeface="Times New Roman"/>
-        <a:font script="Thai" typeface="Angsana New"/>
-        <a:font script="Ethi" typeface="Nyala"/>
-        <a:font script="Beng" typeface="Vrinda"/>
-        <a:font script="Gujr" typeface="Shruti"/>
-        <a:font script="Khmr" typeface="MoolBoran"/>
-        <a:font script="Knda" typeface="Tunga"/>
-        <a:font script="Guru" typeface="Raavi"/>
-        <a:font script="Cans" typeface="Euphemia"/>
-        <a:font script="Cher" typeface="Plantagenet Cherokee"/>
-        <a:font script="Yiii" typeface="Microsoft Yi Baiti"/>
-        <a:font script="Tibt" typeface="Microsoft Himalaya"/>
-        <a:font script="Thaa" typeface="MV Boli"/>
-        <a:font script="Deva" typeface="Mangal"/>
-        <a:font script="Telu" typeface="Gautami"/>
-        <a:font script="Taml" typeface="Latha"/>
-        <a:font script="Syrc" typeface="Estrangelo Edessa"/>
-        <a:font script="Orya" typeface="Kalinga"/>
-        <a:font script="Mlym" typeface="Kartika"/>
-        <a:font script="Laoo" typeface="DokChampa"/>
-        <a:font script="Sinh" typeface="Iskoola Pota"/>
-        <a:font script="Mong" typeface="Mongolian Baiti"/>
-        <a:font script="Viet" typeface="Times New Roman"/>
-        <a:font script="Uigh" typeface="Microsoft Uighur"/>
-        <a:font script="Geor" typeface="Sylfaen"/>
-      </a:majorFont>
-      <a:minorFont>
-        <a:latin typeface="Calibri"/>
-        <a:ea typeface=""/>
-        <a:cs typeface=""/>
-        <a:font script="Jpan" typeface="ＭＳ Ｐゴシック"/>
-        <a:font script="Hang" typeface="맑은 고딕"/>
-        <a:font script="Hans" typeface="宋体"/>
-        <a:font script="Hant" typeface="新細明體"/>
-        <a:font script="Arab" typeface="Arial"/>
-        <a:font script="Hebr" typeface="Arial"/>
-        <a:font script="Thai" typeface="Cordia New"/>
-        <a:font script="Ethi" typeface="Nyala"/>
-        <a:font script="Beng" typeface="Vrinda"/>
-        <a:font script="Gujr" typeface="Shruti"/>
-        <a:font script="Khmr" typeface="DaunPenh"/>
-        <a:font script="Knda" typeface="Tunga"/>
-        <a:font script="Guru" typeface="Raavi"/>
-        <a:font script="Cans" typeface="Euphemia"/>
-        <a:font script="Cher" typeface="Plantagenet Cherokee"/>
-        <a:font script="Yiii" typeface="Microsoft Yi Baiti"/>
-        <a:font script="Tibt" typeface="Microsoft Himalaya"/>
-        <a:font script="Thaa" typeface="MV Boli"/>
-        <a:font script="Deva" typeface="Mangal"/>
-        <a:font script="Telu" typeface="Gautami"/>
-        <a:font script="Taml" typeface="Latha"/>
-        <a:font script="Syrc" typeface="Estrangelo Edessa"/>
-        <a:font script="Orya" typeface="Kalinga"/>
-        <a:font script="Mlym" typeface="Kartika"/>
-        <a:font script="Laoo" typeface="DokChampa"/>
-        <a:font script="Sinh" typeface="Iskoola Pota"/>
-        <a:font script="Mong" typeface="Mongolian Baiti"/>
-        <a:font script="Viet" typeface="Arial"/>
-        <a:font script="Uigh" typeface="Microsoft Uighur"/>
-        <a:font script="Geor" typeface="Sylfaen"/>
-      </a:minorFont>
-    </a:fontScheme>
-    <a:fmtScheme name="Office">
-      <a:fillStyleLst>
-        <a:solidFill>
-          <a:schemeClr val="phClr"/>
-        </a:solidFill>
-        <a:gradFill rotWithShape="1">
-          <a:gsLst>
-            <a:gs pos="0">
-              <a:schemeClr val="phClr">
-                <a:tint val="50000"/>
-                <a:satMod val="300000"/>
-              </a:schemeClr>
-            </a:gs>
-            <a:gs pos="35000">
-              <a:schemeClr val="phClr">
-                <a:tint val="37000"/>
-                <a:satMod val="300000"/>
-              </a:schemeClr>
-            </a:gs>
-            <a:gs pos="100000">
-              <a:schemeClr val="phClr">
-                <a:tint val="15000"/>
-                <a:satMod val="350000"/>
-              </a:schemeClr>
-            </a:gs>
-          </a:gsLst>
-          <a:lin ang="16200000" scaled="1"/>
-        </a:gradFill>
-        <a:gradFill rotWithShape="1">
-          <a:gsLst>
-            <a:gs pos="0">
-              <a:schemeClr val="phClr">
-                <a:tint val="100000"/>
-                <a:shade val="100000"/>
-                <a:satMod val="130000"/>
-              </a:schemeClr>
-            </a:gs>
-            <a:gs pos="100000">
-              <a:schemeClr val="phClr">
-                <a:tint val="50000"/>
-                <a:shade val="100000"/>
-                <a:satMod val="350000"/>
-              </a:schemeClr>
-            </a:gs>
-          </a:gsLst>
-          <a:lin ang="16200000" scaled="0"/>
-        </a:gradFill>
-      </a:fillStyleLst>
-      <a:lnStyleLst>
-        <a:ln w="9525" cap="flat" cmpd="sng" algn="ctr">
-          <a:solidFill>
-            <a:schemeClr val="phClr">
-              <a:shade val="95000"/>
-              <a:satMod val="105000"/>
-            </a:schemeClr>
-          </a:solidFill>
-          <a:prstDash val="solid"/>
-        </a:ln>
-        <a:ln w="25400" cap="flat" cmpd="sng" algn="ctr">
-          <a:solidFill>
-            <a:schemeClr val="phClr"/>
-          </a:solidFill>
-          <a:prstDash val="solid"/>
-        </a:ln>
-        <a:ln w="38100" cap="flat" cmpd="sng" algn="ctr">
-          <a:solidFill>
-            <a:schemeClr val="phClr"/>
-          </a:solidFill>
-          <a:prstDash val="solid"/>
-        </a:ln>
-      </a:lnStyleLst>
-      <a:effectStyleLst>
-        <a:effectStyle>
-          <a:effectLst>
-            <a:outerShdw blurRad="40000" dist="20000" dir="5400000" rotWithShape="0">
-              <a:srgbClr val="000000">
-                <a:alpha val="38000"/>
-              </a:srgbClr>
-            </a:outerShdw>
-          </a:effectLst>
-        </a:effectStyle>
-        <a:effectStyle>
-          <a:effectLst>
-            <a:outerShdw blurRad="40000" dist="23000" dir="5400000" rotWithShape="0">
-              <a:srgbClr val="000000">
-                <a:alpha val="35000"/>
-              </a:srgbClr>
-            </a:outerShdw>
-          </a:effectLst>
-        </a:effectStyle>
-        <a:effectStyle>
-          <a:effectLst>
-            <a:outerShdw blurRad="40000" dist="23000" dir="5400000" rotWithShape="0">
-              <a:srgbClr val="000000">
-                <a:alpha val="35000"/>
-              </a:srgbClr>
-            </a:outerShdw>
-          </a:effectLst>
-          <a:scene3d>
-            <a:camera prst="orthographicFront">
-              <a:rot lat="0" lon="0" rev="0"/>
-            </a:camera>
-            <a:lightRig rig="threePt" dir="t">
-              <a:rot lat="0" lon="0" rev="1200000"/>
-            </a:lightRig>
-          </a:scene3d>
-          <a:sp3d>
-            <a:bevelT w="63500" h="25400"/>
-          </a:sp3d>
-        </a:effectStyle>
-      </a:effectStyleLst>
-      <a:bgFillStyleLst>
-        <a:solidFill>
-          <a:schemeClr val="phClr"/>
-        </a:solidFill>
-        <a:gradFill rotWithShape="1">
-          <a:gsLst>
-            <a:gs pos="0">
-              <a:schemeClr val="phClr">
-                <a:tint val="40000"/>
-                <a:satMod val="350000"/>
-              </a:schemeClr>
-            </a:gs>
-            <a:gs pos="40000">
-              <a:schemeClr val="phClr">
-                <a:tint val="45000"/>
-                <a:shade val="99000"/>
-                <a:satMod val="350000"/>
-              </a:schemeClr>
-            </a:gs>
-            <a:gs pos="100000">
-              <a:schemeClr val="phClr">
-                <a:shade val="20000"/>
-                <a:satMod val="255000"/>
-              </a:schemeClr>
-            </a:gs>
-          </a:gsLst>
-          <a:path path="circle">
-            <a:fillToRect l="50000" t="-80000" r="50000" b="180000"/>
-          </a:path>
-        </a:gradFill>
-        <a:gradFill rotWithShape="1">
-          <a:gsLst>
-            <a:gs pos="0">
-              <a:schemeClr val="phClr">
-                <a:tint val="80000"/>
-                <a:satMod val="300000"/>
-              </a:schemeClr>
-            </a:gs>
-            <a:gs pos="100000">
-              <a:schemeClr val="phClr">
-                <a:shade val="30000"/>
-                <a:satMod val="200000"/>
-              </a:schemeClr>
-            </a:gs>
-          </a:gsLst>
-          <a:path path="circle">
-            <a:fillToRect l="50000" t="50000" r="50000" b="50000"/>
-          </a:path>
-        </a:gradFill>
-      </a:bgFillStyleLst>
-    </a:fmtScheme>
-  </a:themeElements>
-  <a:objectDefaults>
-    <a:spDef>
-      <a:spPr/>
-      <a:bodyPr/>
-      <a:lstStyle/>
-      <a:style>
-        <a:lnRef idx="1">
-          <a:schemeClr val="accent1"/>
-        </a:lnRef>
-        <a:fillRef idx="3">
-          <a:schemeClr val="accent1"/>
-        </a:fillRef>
-        <a:effectRef idx="2">
-          <a:schemeClr val="accent1"/>
-        </a:effectRef>
-        <a:fontRef idx="minor">
-          <a:schemeClr val="lt1"/>
-        </a:fontRef>
-      </a:style>
-    </a:spDef>
-    <a:lnDef>
-      <a:spPr/>
-      <a:bodyPr/>
-      <a:lstStyle/>
-      <a:style>
-        <a:lnRef idx="2">
-          <a:schemeClr val="accent1"/>
-        </a:lnRef>
-        <a:fillRef idx="0">
-          <a:schemeClr val="accent1"/>
-        </a:fillRef>
-        <a:effectRef idx="1">
-          <a:schemeClr val="accent1"/>
-        </a:effectRef>
-        <a:fontRef idx="minor">
-          <a:schemeClr val="tx1"/>
-        </a:fontRef>
-      </a:style>
-    </a:lnDef>
-  </a:objectDefaults>
-  <a:extraClrSchemeLst/>
-</a:theme>
-</file>
-
-<file path=ppt/theme/theme2.xml><?xml version="1.0" encoding="utf-8"?>
-<a:theme xmlns:a="http://schemas.openxmlformats.org/drawingml/2006/main" name="Office Theme">
+<a:theme xmlns:a="http://schemas.openxmlformats.org/drawingml/2006/main" name="Tema de Office">
   <a:themeElements>
     <a:clrScheme name="Office">
       <a:dk1>
@@ -3760,7 +4531,7 @@
         <a:srgbClr val="E7E6E6"/>
       </a:lt2>
       <a:accent1>
-        <a:srgbClr val="5B9BD5"/>
+        <a:srgbClr val="4472C4"/>
       </a:accent1>
       <a:accent2>
         <a:srgbClr val="ED7D31"/>
@@ -3772,7 +4543,7 @@
         <a:srgbClr val="FFC000"/>
       </a:accent4>
       <a:accent5>
-        <a:srgbClr val="4472C4"/>
+        <a:srgbClr val="5B9BD5"/>
       </a:accent5>
       <a:accent6>
         <a:srgbClr val="70AD47"/>
@@ -4002,4 +4773,299 @@
     </a:ext>
   </a:extLst>
 </a:theme>
+</file>
+
+<file path=ppt/theme/theme2.xml><?xml version="1.0" encoding="utf-8"?>
+<a:theme xmlns:a="http://schemas.openxmlformats.org/drawingml/2006/main" name="Tema de Office">
+  <a:themeElements>
+    <a:clrScheme name="Office">
+      <a:dk1>
+        <a:sysClr val="windowText" lastClr="000000"/>
+      </a:dk1>
+      <a:lt1>
+        <a:sysClr val="window" lastClr="FFFFFF"/>
+      </a:lt1>
+      <a:dk2>
+        <a:srgbClr val="44546A"/>
+      </a:dk2>
+      <a:lt2>
+        <a:srgbClr val="E7E6E6"/>
+      </a:lt2>
+      <a:accent1>
+        <a:srgbClr val="4472C4"/>
+      </a:accent1>
+      <a:accent2>
+        <a:srgbClr val="ED7D31"/>
+      </a:accent2>
+      <a:accent3>
+        <a:srgbClr val="A5A5A5"/>
+      </a:accent3>
+      <a:accent4>
+        <a:srgbClr val="FFC000"/>
+      </a:accent4>
+      <a:accent5>
+        <a:srgbClr val="5B9BD5"/>
+      </a:accent5>
+      <a:accent6>
+        <a:srgbClr val="70AD47"/>
+      </a:accent6>
+      <a:hlink>
+        <a:srgbClr val="0563C1"/>
+      </a:hlink>
+      <a:folHlink>
+        <a:srgbClr val="954F72"/>
+      </a:folHlink>
+    </a:clrScheme>
+    <a:fontScheme name="Office">
+      <a:majorFont>
+        <a:latin typeface="Calibri Light" panose="020F0302020204030204"/>
+        <a:ea typeface=""/>
+        <a:cs typeface=""/>
+        <a:font script="Jpan" typeface="游ゴシック Light"/>
+        <a:font script="Hang" typeface="맑은 고딕"/>
+        <a:font script="Hans" typeface="等线 Light"/>
+        <a:font script="Hant" typeface="新細明體"/>
+        <a:font script="Arab" typeface="Times New Roman"/>
+        <a:font script="Hebr" typeface="Times New Roman"/>
+        <a:font script="Thai" typeface="Angsana New"/>
+        <a:font script="Ethi" typeface="Nyala"/>
+        <a:font script="Beng" typeface="Vrinda"/>
+        <a:font script="Gujr" typeface="Shruti"/>
+        <a:font script="Khmr" typeface="MoolBoran"/>
+        <a:font script="Knda" typeface="Tunga"/>
+        <a:font script="Guru" typeface="Raavi"/>
+        <a:font script="Cans" typeface="Euphemia"/>
+        <a:font script="Cher" typeface="Plantagenet Cherokee"/>
+        <a:font script="Yiii" typeface="Microsoft Yi Baiti"/>
+        <a:font script="Tibt" typeface="Microsoft Himalaya"/>
+        <a:font script="Thaa" typeface="MV Boli"/>
+        <a:font script="Deva" typeface="Mangal"/>
+        <a:font script="Telu" typeface="Gautami"/>
+        <a:font script="Taml" typeface="Latha"/>
+        <a:font script="Syrc" typeface="Estrangelo Edessa"/>
+        <a:font script="Orya" typeface="Kalinga"/>
+        <a:font script="Mlym" typeface="Kartika"/>
+        <a:font script="Laoo" typeface="DokChampa"/>
+        <a:font script="Sinh" typeface="Iskoola Pota"/>
+        <a:font script="Mong" typeface="Mongolian Baiti"/>
+        <a:font script="Viet" typeface="Times New Roman"/>
+        <a:font script="Uigh" typeface="Microsoft Uighur"/>
+        <a:font script="Geor" typeface="Sylfaen"/>
+        <a:font script="Armn" typeface="Arial"/>
+        <a:font script="Bugi" typeface="Leelawadee UI"/>
+        <a:font script="Bopo" typeface="Microsoft JhengHei"/>
+        <a:font script="Java" typeface="Javanese Text"/>
+        <a:font script="Lisu" typeface="Segoe UI"/>
+        <a:font script="Mymr" typeface="Myanmar Text"/>
+        <a:font script="Nkoo" typeface="Ebrima"/>
+        <a:font script="Olck" typeface="Nirmala UI"/>
+        <a:font script="Osma" typeface="Ebrima"/>
+        <a:font script="Phag" typeface="Phagspa"/>
+        <a:font script="Syrn" typeface="Estrangelo Edessa"/>
+        <a:font script="Syrj" typeface="Estrangelo Edessa"/>
+        <a:font script="Syre" typeface="Estrangelo Edessa"/>
+        <a:font script="Sora" typeface="Nirmala UI"/>
+        <a:font script="Tale" typeface="Microsoft Tai Le"/>
+        <a:font script="Talu" typeface="Microsoft New Tai Lue"/>
+        <a:font script="Tfng" typeface="Ebrima"/>
+      </a:majorFont>
+      <a:minorFont>
+        <a:latin typeface="Calibri" panose="020F0502020204030204"/>
+        <a:ea typeface=""/>
+        <a:cs typeface=""/>
+        <a:font script="Jpan" typeface="游ゴシック"/>
+        <a:font script="Hang" typeface="맑은 고딕"/>
+        <a:font script="Hans" typeface="等线"/>
+        <a:font script="Hant" typeface="新細明體"/>
+        <a:font script="Arab" typeface="Arial"/>
+        <a:font script="Hebr" typeface="Arial"/>
+        <a:font script="Thai" typeface="Cordia New"/>
+        <a:font script="Ethi" typeface="Nyala"/>
+        <a:font script="Beng" typeface="Vrinda"/>
+        <a:font script="Gujr" typeface="Shruti"/>
+        <a:font script="Khmr" typeface="DaunPenh"/>
+        <a:font script="Knda" typeface="Tunga"/>
+        <a:font script="Guru" typeface="Raavi"/>
+        <a:font script="Cans" typeface="Euphemia"/>
+        <a:font script="Cher" typeface="Plantagenet Cherokee"/>
+        <a:font script="Yiii" typeface="Microsoft Yi Baiti"/>
+        <a:font script="Tibt" typeface="Microsoft Himalaya"/>
+        <a:font script="Thaa" typeface="MV Boli"/>
+        <a:font script="Deva" typeface="Mangal"/>
+        <a:font script="Telu" typeface="Gautami"/>
+        <a:font script="Taml" typeface="Latha"/>
+        <a:font script="Syrc" typeface="Estrangelo Edessa"/>
+        <a:font script="Orya" typeface="Kalinga"/>
+        <a:font script="Mlym" typeface="Kartika"/>
+        <a:font script="Laoo" typeface="DokChampa"/>
+        <a:font script="Sinh" typeface="Iskoola Pota"/>
+        <a:font script="Mong" typeface="Mongolian Baiti"/>
+        <a:font script="Viet" typeface="Arial"/>
+        <a:font script="Uigh" typeface="Microsoft Uighur"/>
+        <a:font script="Geor" typeface="Sylfaen"/>
+        <a:font script="Armn" typeface="Arial"/>
+        <a:font script="Bugi" typeface="Leelawadee UI"/>
+        <a:font script="Bopo" typeface="Microsoft JhengHei"/>
+        <a:font script="Java" typeface="Javanese Text"/>
+        <a:font script="Lisu" typeface="Segoe UI"/>
+        <a:font script="Mymr" typeface="Myanmar Text"/>
+        <a:font script="Nkoo" typeface="Ebrima"/>
+        <a:font script="Olck" typeface="Nirmala UI"/>
+        <a:font script="Osma" typeface="Ebrima"/>
+        <a:font script="Phag" typeface="Phagspa"/>
+        <a:font script="Syrn" typeface="Estrangelo Edessa"/>
+        <a:font script="Syrj" typeface="Estrangelo Edessa"/>
+        <a:font script="Syre" typeface="Estrangelo Edessa"/>
+        <a:font script="Sora" typeface="Nirmala UI"/>
+        <a:font script="Tale" typeface="Microsoft Tai Le"/>
+        <a:font script="Talu" typeface="Microsoft New Tai Lue"/>
+        <a:font script="Tfng" typeface="Ebrima"/>
+      </a:minorFont>
+    </a:fontScheme>
+    <a:fmtScheme name="Office">
+      <a:fillStyleLst>
+        <a:solidFill>
+          <a:schemeClr val="phClr"/>
+        </a:solidFill>
+        <a:gradFill rotWithShape="1">
+          <a:gsLst>
+            <a:gs pos="0">
+              <a:schemeClr val="phClr">
+                <a:lumMod val="110000"/>
+                <a:satMod val="105000"/>
+                <a:tint val="67000"/>
+              </a:schemeClr>
+            </a:gs>
+            <a:gs pos="50000">
+              <a:schemeClr val="phClr">
+                <a:lumMod val="105000"/>
+                <a:satMod val="103000"/>
+                <a:tint val="73000"/>
+              </a:schemeClr>
+            </a:gs>
+            <a:gs pos="100000">
+              <a:schemeClr val="phClr">
+                <a:lumMod val="105000"/>
+                <a:satMod val="109000"/>
+                <a:tint val="81000"/>
+              </a:schemeClr>
+            </a:gs>
+          </a:gsLst>
+          <a:lin ang="5400000" scaled="0"/>
+        </a:gradFill>
+        <a:gradFill rotWithShape="1">
+          <a:gsLst>
+            <a:gs pos="0">
+              <a:schemeClr val="phClr">
+                <a:satMod val="103000"/>
+                <a:lumMod val="102000"/>
+                <a:tint val="94000"/>
+              </a:schemeClr>
+            </a:gs>
+            <a:gs pos="50000">
+              <a:schemeClr val="phClr">
+                <a:satMod val="110000"/>
+                <a:lumMod val="100000"/>
+                <a:shade val="100000"/>
+              </a:schemeClr>
+            </a:gs>
+            <a:gs pos="100000">
+              <a:schemeClr val="phClr">
+                <a:lumMod val="99000"/>
+                <a:satMod val="120000"/>
+                <a:shade val="78000"/>
+              </a:schemeClr>
+            </a:gs>
+          </a:gsLst>
+          <a:lin ang="5400000" scaled="0"/>
+        </a:gradFill>
+      </a:fillStyleLst>
+      <a:lnStyleLst>
+        <a:ln w="6350" cap="flat" cmpd="sng" algn="ctr">
+          <a:solidFill>
+            <a:schemeClr val="phClr"/>
+          </a:solidFill>
+          <a:prstDash val="solid"/>
+          <a:miter lim="800000"/>
+        </a:ln>
+        <a:ln w="12700" cap="flat" cmpd="sng" algn="ctr">
+          <a:solidFill>
+            <a:schemeClr val="phClr"/>
+          </a:solidFill>
+          <a:prstDash val="solid"/>
+          <a:miter lim="800000"/>
+        </a:ln>
+        <a:ln w="19050" cap="flat" cmpd="sng" algn="ctr">
+          <a:solidFill>
+            <a:schemeClr val="phClr"/>
+          </a:solidFill>
+          <a:prstDash val="solid"/>
+          <a:miter lim="800000"/>
+        </a:ln>
+      </a:lnStyleLst>
+      <a:effectStyleLst>
+        <a:effectStyle>
+          <a:effectLst/>
+        </a:effectStyle>
+        <a:effectStyle>
+          <a:effectLst/>
+        </a:effectStyle>
+        <a:effectStyle>
+          <a:effectLst>
+            <a:outerShdw blurRad="57150" dist="19050" dir="5400000" algn="ctr" rotWithShape="0">
+              <a:srgbClr val="000000">
+                <a:alpha val="63000"/>
+              </a:srgbClr>
+            </a:outerShdw>
+          </a:effectLst>
+        </a:effectStyle>
+      </a:effectStyleLst>
+      <a:bgFillStyleLst>
+        <a:solidFill>
+          <a:schemeClr val="phClr"/>
+        </a:solidFill>
+        <a:solidFill>
+          <a:schemeClr val="phClr">
+            <a:tint val="95000"/>
+            <a:satMod val="170000"/>
+          </a:schemeClr>
+        </a:solidFill>
+        <a:gradFill rotWithShape="1">
+          <a:gsLst>
+            <a:gs pos="0">
+              <a:schemeClr val="phClr">
+                <a:tint val="93000"/>
+                <a:satMod val="150000"/>
+                <a:shade val="98000"/>
+                <a:lumMod val="102000"/>
+              </a:schemeClr>
+            </a:gs>
+            <a:gs pos="50000">
+              <a:schemeClr val="phClr">
+                <a:tint val="98000"/>
+                <a:satMod val="130000"/>
+                <a:shade val="90000"/>
+                <a:lumMod val="103000"/>
+              </a:schemeClr>
+            </a:gs>
+            <a:gs pos="100000">
+              <a:schemeClr val="phClr">
+                <a:shade val="63000"/>
+                <a:satMod val="120000"/>
+              </a:schemeClr>
+            </a:gs>
+          </a:gsLst>
+          <a:lin ang="5400000" scaled="0"/>
+        </a:gradFill>
+      </a:bgFillStyleLst>
+    </a:fmtScheme>
+  </a:themeElements>
+  <a:objectDefaults/>
+  <a:extraClrSchemeLst/>
+  <a:extLst>
+    <a:ext uri="{05A4C25C-085E-4340-85A3-A5531E510DB2}">
+      <thm15:themeFamily xmlns:thm15="http://schemas.microsoft.com/office/thememl/2012/main" name="Office Theme" id="{62F939B6-93AF-4DB8-9C6B-D6C7DFDC589F}" vid="{4A3C46E8-61CC-4603-A589-7422A47A8E4A}"/>
+    </a:ext>
+  </a:extLst>
+</a:theme>
 </file>
--- a/presentaciones/S01-New/00_Inicio.pptx
+++ b/presentaciones/S01-New/00_Inicio.pptx
@@ -9,6 +9,9 @@
     <p:sldId id="257" r:id="rId3"/>
     <p:sldId id="258" r:id="rId4"/>
     <p:sldId id="259" r:id="rId5"/>
+    <p:sldId id="260" r:id="rId6"/>
+    <p:sldId id="261" r:id="rId7"/>
+    <p:sldId id="262" r:id="rId8"/>
   </p:sldIdLst>
   <p:sldSz cx="12192000" cy="6858000"/>
   <p:notesSz cx="6858000" cy="9144000"/>
@@ -4205,7 +4208,7 @@
             </a:pPr>
             <a:r>
               <a:rPr/>
-              <a:t>Introducción Analisis de Datos</a:t>
+              <a:t>Introducción Análisis de Datos</a:t>
             </a:r>
           </a:p>
         </p:txBody>
@@ -4284,46 +4287,41 @@
             </a:pPr>
             <a:r>
               <a:rPr/>
-              <a:t>Bienvenidos</a:t>
-            </a:r>
-          </a:p>
-        </p:txBody>
-      </p:sp>
-      <p:sp>
-        <p:nvSpPr>
-          <p:cNvPr id="3" name="Content Placeholder 2"/>
-          <p:cNvSpPr>
-            <a:spLocks noGrp="1"/>
-          </p:cNvSpPr>
-          <p:nvPr>
-            <p:ph idx="1"/>
-          </p:nvPr>
-        </p:nvSpPr>
-        <p:spPr/>
-        <p:txBody>
-          <a:bodyPr/>
-          <a:lstStyle/>
-          <a:p>
-            <a:pPr lvl="0" indent="0" marL="0">
-              <a:buNone/>
-            </a:pPr>
-            <a:r>
-              <a:rPr/>
-              <a:t>Quarto enables you to weave together content and executable code into a finished presentation. To learn more about Quarto presentations see </a:t>
-            </a:r>
-            <a:r>
-              <a:rPr>
-                <a:hlinkClick r:id="rId2"/>
-              </a:rPr>
-              <a:t>https://quarto.org/docs/presentations/</a:t>
-            </a:r>
-            <a:r>
-              <a:rPr/>
-              <a:t>.</a:t>
-            </a:r>
-          </a:p>
-        </p:txBody>
-      </p:sp>
+              <a:t>Sobre está capacitación:</a:t>
+            </a:r>
+          </a:p>
+        </p:txBody>
+      </p:sp>
+      <p:pic>
+        <p:nvPicPr>
+          <p:cNvPr descr="imagen/DS01.png" id="0" name="Picture 1"/>
+          <p:cNvPicPr>
+            <a:picLocks noGrp="1" noChangeAspect="1"/>
+          </p:cNvPicPr>
+          <p:nvPr/>
+        </p:nvPicPr>
+        <p:blipFill>
+          <a:blip r:embed="rId2"/>
+          <a:stretch>
+            <a:fillRect/>
+          </a:stretch>
+        </p:blipFill>
+        <p:spPr bwMode="auto">
+          <a:xfrm>
+            <a:off x="2590800" y="1816100"/>
+            <a:ext cx="7010400" cy="4343400"/>
+          </a:xfrm>
+          <a:prstGeom prst="rect">
+            <a:avLst/>
+          </a:prstGeom>
+          <a:noFill/>
+          <a:ln w="9525">
+            <a:noFill/>
+            <a:headEnd/>
+            <a:tailEnd/>
+          </a:ln>
+        </p:spPr>
+      </p:pic>
     </p:spTree>
   </p:cSld>
 </p:sld>
@@ -4348,12 +4346,12 @@
       </p:grpSpPr>
       <p:sp>
         <p:nvSpPr>
-          <p:cNvPr id="2" name="Title 1"/>
-          <p:cNvSpPr>
-            <a:spLocks noGrp="1"/>
-          </p:cNvSpPr>
-          <p:nvPr>
-            <p:ph type="title"/>
+          <p:cNvPr id="3" name="Content Placeholder 2"/>
+          <p:cNvSpPr>
+            <a:spLocks noGrp="1"/>
+          </p:cNvSpPr>
+          <p:nvPr>
+            <p:ph idx="1"/>
           </p:nvPr>
         </p:nvSpPr>
         <p:spPr/>
@@ -4366,54 +4364,7 @@
             </a:pPr>
             <a:r>
               <a:rPr/>
-              <a:t>Bullets</a:t>
-            </a:r>
-          </a:p>
-        </p:txBody>
-      </p:sp>
-      <p:sp>
-        <p:nvSpPr>
-          <p:cNvPr id="3" name="Content Placeholder 2"/>
-          <p:cNvSpPr>
-            <a:spLocks noGrp="1"/>
-          </p:cNvSpPr>
-          <p:nvPr>
-            <p:ph idx="1"/>
-          </p:nvPr>
-        </p:nvSpPr>
-        <p:spPr/>
-        <p:txBody>
-          <a:bodyPr/>
-          <a:lstStyle/>
-          <a:p>
-            <a:pPr lvl="0" indent="0" marL="0">
-              <a:buNone/>
-            </a:pPr>
-            <a:r>
-              <a:rPr/>
-              <a:t>When you click the </a:t>
-            </a:r>
-            <a:r>
-              <a:rPr b="1"/>
-              <a:t>Render</a:t>
-            </a:r>
-            <a:r>
-              <a:rPr/>
-              <a:t> button a document will be generated that includes:</a:t>
-            </a:r>
-          </a:p>
-          <a:p>
-            <a:pPr lvl="0"/>
-            <a:r>
-              <a:rPr/>
-              <a:t>Content authored with markdown</a:t>
-            </a:r>
-          </a:p>
-          <a:p>
-            <a:pPr lvl="0"/>
-            <a:r>
-              <a:rPr/>
-              <a:t>Output from executable code</a:t>
+              <a:t>Generalmente los cursos, capacitaciones y seminarios se dan con el fin de tener una idea base en la cual el profesional se pueda desarrollar de un modo auto didáctico sobre la rama en la que tiene curiosidad o que conforma parte del desarrollo integral de su profesión.</a:t>
             </a:r>
           </a:p>
         </p:txBody>
@@ -4460,11 +4411,63 @@
             </a:pPr>
             <a:r>
               <a:rPr/>
-              <a:t>Code</a:t>
-            </a:r>
-          </a:p>
-        </p:txBody>
-      </p:sp>
+              <a:t>¿El ser humano es bueno para analizar datos?</a:t>
+            </a:r>
+          </a:p>
+        </p:txBody>
+      </p:sp>
+      <p:pic>
+        <p:nvPicPr>
+          <p:cNvPr descr="imagen/Analisis_Brain.jfif" id="0" name="Picture 1"/>
+          <p:cNvPicPr>
+            <a:picLocks noGrp="1" noChangeAspect="1"/>
+          </p:cNvPicPr>
+          <p:nvPr/>
+        </p:nvPicPr>
+        <p:blipFill>
+          <a:blip r:embed="rId2"/>
+          <a:stretch>
+            <a:fillRect/>
+          </a:stretch>
+        </p:blipFill>
+        <p:spPr bwMode="auto">
+          <a:xfrm>
+            <a:off x="3213100" y="1816100"/>
+            <a:ext cx="5765800" cy="4343400"/>
+          </a:xfrm>
+          <a:prstGeom prst="rect">
+            <a:avLst/>
+          </a:prstGeom>
+          <a:noFill/>
+          <a:ln w="9525">
+            <a:noFill/>
+            <a:headEnd/>
+            <a:tailEnd/>
+          </a:ln>
+        </p:spPr>
+      </p:pic>
+    </p:spTree>
+  </p:cSld>
+</p:sld>
+</file>
+
+<file path=ppt/slides/slide5.xml><?xml version="1.0" encoding="utf-8"?>
+<p:sld xmlns:a="http://schemas.openxmlformats.org/drawingml/2006/main" xmlns:r="http://schemas.openxmlformats.org/officeDocument/2006/relationships" xmlns:p="http://schemas.openxmlformats.org/presentationml/2006/main">
+  <p:cSld>
+    <p:spTree>
+      <p:nvGrpSpPr>
+        <p:cNvPr id="1" name=""/>
+        <p:cNvGrpSpPr/>
+        <p:nvPr/>
+      </p:nvGrpSpPr>
+      <p:grpSpPr>
+        <a:xfrm>
+          <a:off x="0" y="0"/>
+          <a:ext cx="0" cy="0"/>
+          <a:chOff x="0" y="0"/>
+          <a:chExt cx="0" cy="0"/>
+        </a:xfrm>
+      </p:grpSpPr>
       <p:sp>
         <p:nvSpPr>
           <p:cNvPr id="3" name="Content Placeholder 2"/>
@@ -4485,26 +4488,135 @@
             </a:pPr>
             <a:r>
               <a:rPr/>
-              <a:t>When you click the </a:t>
-            </a:r>
+              <a:t>La respuesta inicial es no, nuestro cerebro no es capaz de procesar identificar o agrupar volúmenes grandes de datos, segmentarlos, calcularlos y buscar fenómenos, patrones o inconsistencias en los mismos.</a:t>
+            </a:r>
+          </a:p>
+        </p:txBody>
+      </p:sp>
+    </p:spTree>
+  </p:cSld>
+</p:sld>
+</file>
+
+<file path=ppt/slides/slide6.xml><?xml version="1.0" encoding="utf-8"?>
+<p:sld xmlns:a="http://schemas.openxmlformats.org/drawingml/2006/main" xmlns:r="http://schemas.openxmlformats.org/officeDocument/2006/relationships" xmlns:p="http://schemas.openxmlformats.org/presentationml/2006/main">
+  <p:cSld>
+    <p:spTree>
+      <p:nvGrpSpPr>
+        <p:cNvPr id="1" name=""/>
+        <p:cNvGrpSpPr/>
+        <p:nvPr/>
+      </p:nvGrpSpPr>
+      <p:grpSpPr>
+        <a:xfrm>
+          <a:off x="0" y="0"/>
+          <a:ext cx="0" cy="0"/>
+          <a:chOff x="0" y="0"/>
+          <a:chExt cx="0" cy="0"/>
+        </a:xfrm>
+      </p:grpSpPr>
+      <p:sp>
+        <p:nvSpPr>
+          <p:cNvPr id="2" name="Title 1"/>
+          <p:cNvSpPr>
+            <a:spLocks noGrp="1"/>
+          </p:cNvSpPr>
+          <p:nvPr>
+            <p:ph type="title"/>
+          </p:nvPr>
+        </p:nvSpPr>
+        <p:spPr/>
+        <p:txBody>
+          <a:bodyPr/>
+          <a:lstStyle/>
+          <a:p>
+            <a:pPr lvl="0" indent="0" marL="0">
+              <a:buNone/>
+            </a:pPr>
+            <a:r>
+              <a:rPr/>
+              <a:t>¿Un analista de datos nace o se hace?</a:t>
+            </a:r>
+          </a:p>
+        </p:txBody>
+      </p:sp>
+      <p:pic>
+        <p:nvPicPr>
+          <p:cNvPr descr="imagen/Brain_02.jfif" id="0" name="Picture 1"/>
+          <p:cNvPicPr>
+            <a:picLocks noGrp="1" noChangeAspect="1"/>
+          </p:cNvPicPr>
+          <p:nvPr/>
+        </p:nvPicPr>
+        <p:blipFill>
+          <a:blip r:embed="rId2"/>
+          <a:stretch>
+            <a:fillRect/>
+          </a:stretch>
+        </p:blipFill>
+        <p:spPr bwMode="auto">
+          <a:xfrm>
+            <a:off x="2222500" y="1816100"/>
+            <a:ext cx="7759700" cy="4343400"/>
+          </a:xfrm>
+          <a:prstGeom prst="rect">
+            <a:avLst/>
+          </a:prstGeom>
+          <a:noFill/>
+          <a:ln w="9525">
+            <a:noFill/>
+            <a:headEnd/>
+            <a:tailEnd/>
+          </a:ln>
+        </p:spPr>
+      </p:pic>
+    </p:spTree>
+  </p:cSld>
+</p:sld>
+</file>
+
+<file path=ppt/slides/slide7.xml><?xml version="1.0" encoding="utf-8"?>
+<p:sld xmlns:a="http://schemas.openxmlformats.org/drawingml/2006/main" xmlns:r="http://schemas.openxmlformats.org/officeDocument/2006/relationships" xmlns:p="http://schemas.openxmlformats.org/presentationml/2006/main">
+  <p:cSld>
+    <p:spTree>
+      <p:nvGrpSpPr>
+        <p:cNvPr id="1" name=""/>
+        <p:cNvGrpSpPr/>
+        <p:nvPr/>
+      </p:nvGrpSpPr>
+      <p:grpSpPr>
+        <a:xfrm>
+          <a:off x="0" y="0"/>
+          <a:ext cx="0" cy="0"/>
+          <a:chOff x="0" y="0"/>
+          <a:chExt cx="0" cy="0"/>
+        </a:xfrm>
+      </p:grpSpPr>
+      <p:sp>
+        <p:nvSpPr>
+          <p:cNvPr id="3" name="Content Placeholder 2"/>
+          <p:cNvSpPr>
+            <a:spLocks noGrp="1"/>
+          </p:cNvSpPr>
+          <p:nvPr>
+            <p:ph idx="1"/>
+          </p:nvPr>
+        </p:nvSpPr>
+        <p:spPr/>
+        <p:txBody>
+          <a:bodyPr/>
+          <a:lstStyle/>
+          <a:p>
+            <a:pPr lvl="0" indent="0" marL="0">
+              <a:buNone/>
+            </a:pPr>
             <a:r>
               <a:rPr b="1"/>
-              <a:t>Render</a:t>
+              <a:t>El análisis de datos es una capacidad difícil de adquirir.</a:t>
             </a:r>
             <a:r>
               <a:rPr/>
-              <a:t> button a presentation will be generated that includes both content and the output of embedded code. You can embed code like this:</a:t>
-            </a:r>
-          </a:p>
-          <a:p>
-            <a:pPr lvl="0" indent="0">
-              <a:buNone/>
-            </a:pPr>
-            <a:r>
-              <a:rPr>
-                <a:latin typeface="Courier"/>
-              </a:rPr>
-              <a:t>[1] 2</a:t>
+              <a:t> Sin embargo, no es imposible, sino lo fundamental es irla practicando y como todo hacerla un hábito. Como lo vamos a lograr nosotros, con pequeños ejercicios y práctica, todos comenzaremos en nivel cero y de allí ir partiendo a un ritmo suave, para ir entendiendo la base del análisis de datos.</a:t>
             </a:r>
           </a:p>
         </p:txBody>

--- a/presentaciones/S01-New/00_Inicio.pptx
+++ b/presentaciones/S01-New/00_Inicio.pptx
@@ -12,6 +12,17 @@
     <p:sldId id="260" r:id="rId6"/>
     <p:sldId id="261" r:id="rId7"/>
     <p:sldId id="262" r:id="rId8"/>
+    <p:sldId id="263" r:id="rId9"/>
+    <p:sldId id="264" r:id="rId10"/>
+    <p:sldId id="265" r:id="rId11"/>
+    <p:sldId id="266" r:id="rId12"/>
+    <p:sldId id="267" r:id="rId13"/>
+    <p:sldId id="268" r:id="rId14"/>
+    <p:sldId id="269" r:id="rId15"/>
+    <p:sldId id="270" r:id="rId16"/>
+    <p:sldId id="271" r:id="rId17"/>
+    <p:sldId id="272" r:id="rId18"/>
+    <p:sldId id="273" r:id="rId19"/>
   </p:sldIdLst>
   <p:sldSz cx="12192000" cy="6858000"/>
   <p:notesSz cx="6858000" cy="9144000"/>
@@ -4250,6 +4261,912 @@
 </p:sld>
 </file>
 
+<file path=ppt/slides/slide10.xml><?xml version="1.0" encoding="utf-8"?>
+<p:sld xmlns:a="http://schemas.openxmlformats.org/drawingml/2006/main" xmlns:r="http://schemas.openxmlformats.org/officeDocument/2006/relationships" xmlns:p="http://schemas.openxmlformats.org/presentationml/2006/main">
+  <p:cSld>
+    <p:spTree>
+      <p:nvGrpSpPr>
+        <p:cNvPr id="1" name=""/>
+        <p:cNvGrpSpPr/>
+        <p:nvPr/>
+      </p:nvGrpSpPr>
+      <p:grpSpPr>
+        <a:xfrm>
+          <a:off x="0" y="0"/>
+          <a:ext cx="0" cy="0"/>
+          <a:chOff x="0" y="0"/>
+          <a:chExt cx="0" cy="0"/>
+        </a:xfrm>
+      </p:grpSpPr>
+      <p:sp>
+        <p:nvSpPr>
+          <p:cNvPr id="2" name="Title 1"/>
+          <p:cNvSpPr>
+            <a:spLocks noGrp="1"/>
+          </p:cNvSpPr>
+          <p:nvPr>
+            <p:ph type="title"/>
+          </p:nvPr>
+        </p:nvSpPr>
+        <p:spPr/>
+        <p:txBody>
+          <a:bodyPr/>
+          <a:lstStyle/>
+          <a:p>
+            <a:pPr lvl="0" indent="0" marL="0">
+              <a:buNone/>
+            </a:pPr>
+            <a:r>
+              <a:rPr/>
+              <a:t>¿Como vamos a dividir la capacitación o en que nos vamos a centrar?</a:t>
+            </a:r>
+          </a:p>
+        </p:txBody>
+      </p:sp>
+      <p:sp>
+        <p:nvSpPr>
+          <p:cNvPr id="3" name="Content Placeholder 2"/>
+          <p:cNvSpPr>
+            <a:spLocks noGrp="1"/>
+          </p:cNvSpPr>
+          <p:nvPr>
+            <p:ph idx="1"/>
+          </p:nvPr>
+        </p:nvSpPr>
+        <p:spPr/>
+        <p:txBody>
+          <a:bodyPr/>
+          <a:lstStyle/>
+          <a:p>
+            <a:pPr lvl="0" indent="0" marL="0">
+              <a:buNone/>
+            </a:pPr>
+            <a:r>
+              <a:rPr/>
+              <a:t>Tal como comentamos en algunos párrafos anteriores el ser humano es extremadamente malo para analizar grandes volúmenes de datos, vamos a utilizar las maquinas y con ellas lenguajes diseñados para esta tarea.</a:t>
+            </a:r>
+          </a:p>
+          <a:p>
+            <a:pPr lvl="0" indent="0" marL="0">
+              <a:buNone/>
+            </a:pPr>
+            <a:r>
+              <a:rPr/>
+              <a:t>Hoy en día existen múltiples herramientas de código abierto y con licenciamiento.</a:t>
+            </a:r>
+          </a:p>
+        </p:txBody>
+      </p:sp>
+    </p:spTree>
+  </p:cSld>
+</p:sld>
+</file>
+
+<file path=ppt/slides/slide11.xml><?xml version="1.0" encoding="utf-8"?>
+<p:sld xmlns:a="http://schemas.openxmlformats.org/drawingml/2006/main" xmlns:r="http://schemas.openxmlformats.org/officeDocument/2006/relationships" xmlns:p="http://schemas.openxmlformats.org/presentationml/2006/main">
+  <p:cSld>
+    <p:spTree>
+      <p:nvGrpSpPr>
+        <p:cNvPr id="1" name=""/>
+        <p:cNvGrpSpPr/>
+        <p:nvPr/>
+      </p:nvGrpSpPr>
+      <p:grpSpPr>
+        <a:xfrm>
+          <a:off x="0" y="0"/>
+          <a:ext cx="0" cy="0"/>
+          <a:chOff x="0" y="0"/>
+          <a:chExt cx="0" cy="0"/>
+        </a:xfrm>
+      </p:grpSpPr>
+      <p:sp>
+        <p:nvSpPr>
+          <p:cNvPr id="2" name="Title 1"/>
+          <p:cNvSpPr>
+            <a:spLocks noGrp="1"/>
+          </p:cNvSpPr>
+          <p:nvPr>
+            <p:ph type="title"/>
+          </p:nvPr>
+        </p:nvSpPr>
+        <p:spPr/>
+        <p:txBody>
+          <a:bodyPr/>
+          <a:lstStyle/>
+          <a:p>
+            <a:pPr lvl="0" indent="0" marL="0">
+              <a:buNone/>
+            </a:pPr>
+            <a:r>
+              <a:rPr/>
+              <a:t>De codigo abierto</a:t>
+            </a:r>
+          </a:p>
+        </p:txBody>
+      </p:sp>
+      <p:pic>
+        <p:nvPicPr>
+          <p:cNvPr descr="fig:  imagen/R_logo.svg.png" id="0" name="Picture 1"/>
+          <p:cNvPicPr>
+            <a:picLocks noGrp="1" noChangeAspect="1"/>
+          </p:cNvPicPr>
+          <p:nvPr/>
+        </p:nvPicPr>
+        <p:blipFill>
+          <a:blip r:embed="rId2"/>
+          <a:stretch>
+            <a:fillRect/>
+          </a:stretch>
+        </p:blipFill>
+        <p:spPr bwMode="auto">
+          <a:xfrm>
+            <a:off x="3619500" y="1816100"/>
+            <a:ext cx="4953000" cy="3835400"/>
+          </a:xfrm>
+          <a:prstGeom prst="rect">
+            <a:avLst/>
+          </a:prstGeom>
+          <a:noFill/>
+          <a:ln w="9525">
+            <a:noFill/>
+            <a:headEnd/>
+            <a:tailEnd/>
+          </a:ln>
+        </p:spPr>
+      </p:pic>
+      <p:sp>
+        <p:nvSpPr>
+          <p:cNvPr id="1" name="TextBox 3"/>
+          <p:cNvSpPr txBox="1"/>
+          <p:nvPr/>
+        </p:nvSpPr>
+        <p:spPr>
+          <a:xfrm>
+            <a:off x="838200" y="5651500"/>
+            <a:ext cx="10515600" cy="508000"/>
+          </a:xfrm>
+          <a:prstGeom prst="rect">
+            <a:avLst/>
+          </a:prstGeom>
+          <a:noFill/>
+        </p:spPr>
+        <p:txBody>
+          <a:bodyPr/>
+          <a:lstStyle/>
+          <a:p>
+            <a:pPr lvl="0" indent="0" marL="0" algn="ctr">
+              <a:buNone/>
+            </a:pPr>
+            <a:r>
+              <a:rPr/>
+              <a:t>R URL = https://cran.r-project.org</a:t>
+            </a:r>
+          </a:p>
+        </p:txBody>
+      </p:sp>
+    </p:spTree>
+  </p:cSld>
+</p:sld>
+</file>
+
+<file path=ppt/slides/slide12.xml><?xml version="1.0" encoding="utf-8"?>
+<p:sld xmlns:a="http://schemas.openxmlformats.org/drawingml/2006/main" xmlns:r="http://schemas.openxmlformats.org/officeDocument/2006/relationships" xmlns:p="http://schemas.openxmlformats.org/presentationml/2006/main">
+  <p:cSld>
+    <p:spTree>
+      <p:nvGrpSpPr>
+        <p:cNvPr id="1" name=""/>
+        <p:cNvGrpSpPr/>
+        <p:nvPr/>
+      </p:nvGrpSpPr>
+      <p:grpSpPr>
+        <a:xfrm>
+          <a:off x="0" y="0"/>
+          <a:ext cx="0" cy="0"/>
+          <a:chOff x="0" y="0"/>
+          <a:chExt cx="0" cy="0"/>
+        </a:xfrm>
+      </p:grpSpPr>
+      <p:sp>
+        <p:nvSpPr>
+          <p:cNvPr id="2" name="Title 1"/>
+          <p:cNvSpPr>
+            <a:spLocks noGrp="1"/>
+          </p:cNvSpPr>
+          <p:nvPr>
+            <p:ph type="title"/>
+          </p:nvPr>
+        </p:nvSpPr>
+        <p:spPr/>
+        <p:txBody>
+          <a:bodyPr/>
+          <a:lstStyle/>
+          <a:p>
+            <a:pPr lvl="0" indent="0" marL="0">
+              <a:buNone/>
+            </a:pPr>
+            <a:r>
+              <a:rPr/>
+              <a:t>De codigo abierto</a:t>
+            </a:r>
+          </a:p>
+        </p:txBody>
+      </p:sp>
+      <p:pic>
+        <p:nvPicPr>
+          <p:cNvPr descr="fig:  imagen/RStudio.png" id="0" name="Picture 1"/>
+          <p:cNvPicPr>
+            <a:picLocks noGrp="1" noChangeAspect="1"/>
+          </p:cNvPicPr>
+          <p:nvPr/>
+        </p:nvPicPr>
+        <p:blipFill>
+          <a:blip r:embed="rId2"/>
+          <a:stretch>
+            <a:fillRect/>
+          </a:stretch>
+        </p:blipFill>
+        <p:spPr bwMode="auto">
+          <a:xfrm>
+            <a:off x="838200" y="1892300"/>
+            <a:ext cx="10515600" cy="3695700"/>
+          </a:xfrm>
+          <a:prstGeom prst="rect">
+            <a:avLst/>
+          </a:prstGeom>
+          <a:noFill/>
+          <a:ln w="9525">
+            <a:noFill/>
+            <a:headEnd/>
+            <a:tailEnd/>
+          </a:ln>
+        </p:spPr>
+      </p:pic>
+      <p:sp>
+        <p:nvSpPr>
+          <p:cNvPr id="1" name="TextBox 3"/>
+          <p:cNvSpPr txBox="1"/>
+          <p:nvPr/>
+        </p:nvSpPr>
+        <p:spPr>
+          <a:xfrm>
+            <a:off x="838200" y="5651500"/>
+            <a:ext cx="10515600" cy="508000"/>
+          </a:xfrm>
+          <a:prstGeom prst="rect">
+            <a:avLst/>
+          </a:prstGeom>
+          <a:noFill/>
+        </p:spPr>
+        <p:txBody>
+          <a:bodyPr/>
+          <a:lstStyle/>
+          <a:p>
+            <a:pPr lvl="0" indent="0" marL="0" algn="ctr">
+              <a:buNone/>
+            </a:pPr>
+            <a:r>
+              <a:rPr/>
+              <a:t>RStudio URL = https://posit.co/</a:t>
+            </a:r>
+          </a:p>
+        </p:txBody>
+      </p:sp>
+    </p:spTree>
+  </p:cSld>
+</p:sld>
+</file>
+
+<file path=ppt/slides/slide13.xml><?xml version="1.0" encoding="utf-8"?>
+<p:sld xmlns:a="http://schemas.openxmlformats.org/drawingml/2006/main" xmlns:r="http://schemas.openxmlformats.org/officeDocument/2006/relationships" xmlns:p="http://schemas.openxmlformats.org/presentationml/2006/main">
+  <p:cSld>
+    <p:spTree>
+      <p:nvGrpSpPr>
+        <p:cNvPr id="1" name=""/>
+        <p:cNvGrpSpPr/>
+        <p:nvPr/>
+      </p:nvGrpSpPr>
+      <p:grpSpPr>
+        <a:xfrm>
+          <a:off x="0" y="0"/>
+          <a:ext cx="0" cy="0"/>
+          <a:chOff x="0" y="0"/>
+          <a:chExt cx="0" cy="0"/>
+        </a:xfrm>
+      </p:grpSpPr>
+      <p:sp>
+        <p:nvSpPr>
+          <p:cNvPr id="2" name="Title 1"/>
+          <p:cNvSpPr>
+            <a:spLocks noGrp="1"/>
+          </p:cNvSpPr>
+          <p:nvPr>
+            <p:ph type="title"/>
+          </p:nvPr>
+        </p:nvSpPr>
+        <p:spPr/>
+        <p:txBody>
+          <a:bodyPr/>
+          <a:lstStyle/>
+          <a:p>
+            <a:pPr lvl="0" indent="0" marL="0">
+              <a:buNone/>
+            </a:pPr>
+            <a:r>
+              <a:rPr/>
+              <a:t>De codigo abierto</a:t>
+            </a:r>
+          </a:p>
+        </p:txBody>
+      </p:sp>
+      <p:pic>
+        <p:nvPicPr>
+          <p:cNvPr descr="fig:  imagen/Python.jfif" id="0" name="Picture 1"/>
+          <p:cNvPicPr>
+            <a:picLocks noGrp="1" noChangeAspect="1"/>
+          </p:cNvPicPr>
+          <p:nvPr/>
+        </p:nvPicPr>
+        <p:blipFill>
+          <a:blip r:embed="rId2"/>
+          <a:stretch>
+            <a:fillRect/>
+          </a:stretch>
+        </p:blipFill>
+        <p:spPr bwMode="auto">
+          <a:xfrm>
+            <a:off x="4343400" y="1816100"/>
+            <a:ext cx="3492500" cy="3835400"/>
+          </a:xfrm>
+          <a:prstGeom prst="rect">
+            <a:avLst/>
+          </a:prstGeom>
+          <a:noFill/>
+          <a:ln w="9525">
+            <a:noFill/>
+            <a:headEnd/>
+            <a:tailEnd/>
+          </a:ln>
+        </p:spPr>
+      </p:pic>
+      <p:sp>
+        <p:nvSpPr>
+          <p:cNvPr id="1" name="TextBox 3"/>
+          <p:cNvSpPr txBox="1"/>
+          <p:nvPr/>
+        </p:nvSpPr>
+        <p:spPr>
+          <a:xfrm>
+            <a:off x="838200" y="5651500"/>
+            <a:ext cx="10515600" cy="508000"/>
+          </a:xfrm>
+          <a:prstGeom prst="rect">
+            <a:avLst/>
+          </a:prstGeom>
+          <a:noFill/>
+        </p:spPr>
+        <p:txBody>
+          <a:bodyPr/>
+          <a:lstStyle/>
+          <a:p>
+            <a:pPr lvl="0" indent="0" marL="0" algn="ctr">
+              <a:buNone/>
+            </a:pPr>
+            <a:r>
+              <a:rPr/>
+              <a:t>Python URL = https://www.python.org/downloads/</a:t>
+            </a:r>
+          </a:p>
+        </p:txBody>
+      </p:sp>
+    </p:spTree>
+  </p:cSld>
+</p:sld>
+</file>
+
+<file path=ppt/slides/slide14.xml><?xml version="1.0" encoding="utf-8"?>
+<p:sld xmlns:a="http://schemas.openxmlformats.org/drawingml/2006/main" xmlns:r="http://schemas.openxmlformats.org/officeDocument/2006/relationships" xmlns:p="http://schemas.openxmlformats.org/presentationml/2006/main">
+  <p:cSld>
+    <p:spTree>
+      <p:nvGrpSpPr>
+        <p:cNvPr id="1" name=""/>
+        <p:cNvGrpSpPr/>
+        <p:nvPr/>
+      </p:nvGrpSpPr>
+      <p:grpSpPr>
+        <a:xfrm>
+          <a:off x="0" y="0"/>
+          <a:ext cx="0" cy="0"/>
+          <a:chOff x="0" y="0"/>
+          <a:chExt cx="0" cy="0"/>
+        </a:xfrm>
+      </p:grpSpPr>
+      <p:sp>
+        <p:nvSpPr>
+          <p:cNvPr id="2" name="Title 1"/>
+          <p:cNvSpPr>
+            <a:spLocks noGrp="1"/>
+          </p:cNvSpPr>
+          <p:nvPr>
+            <p:ph type="title"/>
+          </p:nvPr>
+        </p:nvSpPr>
+        <p:spPr/>
+        <p:txBody>
+          <a:bodyPr/>
+          <a:lstStyle/>
+          <a:p>
+            <a:pPr lvl="0" indent="0" marL="0">
+              <a:buNone/>
+            </a:pPr>
+            <a:r>
+              <a:rPr/>
+              <a:t>De codigo abierto</a:t>
+            </a:r>
+          </a:p>
+        </p:txBody>
+      </p:sp>
+      <p:pic>
+        <p:nvPicPr>
+          <p:cNvPr descr="fig:  imagen/Julia.png" id="0" name="Picture 1"/>
+          <p:cNvPicPr>
+            <a:picLocks noGrp="1" noChangeAspect="1"/>
+          </p:cNvPicPr>
+          <p:nvPr/>
+        </p:nvPicPr>
+        <p:blipFill>
+          <a:blip r:embed="rId2"/>
+          <a:stretch>
+            <a:fillRect/>
+          </a:stretch>
+        </p:blipFill>
+        <p:spPr bwMode="auto">
+          <a:xfrm>
+            <a:off x="4178300" y="1816100"/>
+            <a:ext cx="3835400" cy="3835400"/>
+          </a:xfrm>
+          <a:prstGeom prst="rect">
+            <a:avLst/>
+          </a:prstGeom>
+          <a:noFill/>
+          <a:ln w="9525">
+            <a:noFill/>
+            <a:headEnd/>
+            <a:tailEnd/>
+          </a:ln>
+        </p:spPr>
+      </p:pic>
+      <p:sp>
+        <p:nvSpPr>
+          <p:cNvPr id="1" name="TextBox 3"/>
+          <p:cNvSpPr txBox="1"/>
+          <p:nvPr/>
+        </p:nvSpPr>
+        <p:spPr>
+          <a:xfrm>
+            <a:off x="838200" y="5651500"/>
+            <a:ext cx="10515600" cy="508000"/>
+          </a:xfrm>
+          <a:prstGeom prst="rect">
+            <a:avLst/>
+          </a:prstGeom>
+          <a:noFill/>
+        </p:spPr>
+        <p:txBody>
+          <a:bodyPr/>
+          <a:lstStyle/>
+          <a:p>
+            <a:pPr lvl="0" indent="0" marL="0" algn="ctr">
+              <a:buNone/>
+            </a:pPr>
+            <a:r>
+              <a:rPr/>
+              <a:t>Julia URL = https://julialang.org/</a:t>
+            </a:r>
+          </a:p>
+        </p:txBody>
+      </p:sp>
+    </p:spTree>
+  </p:cSld>
+</p:sld>
+</file>
+
+<file path=ppt/slides/slide15.xml><?xml version="1.0" encoding="utf-8"?>
+<p:sld xmlns:a="http://schemas.openxmlformats.org/drawingml/2006/main" xmlns:r="http://schemas.openxmlformats.org/officeDocument/2006/relationships" xmlns:p="http://schemas.openxmlformats.org/presentationml/2006/main">
+  <p:cSld>
+    <p:spTree>
+      <p:nvGrpSpPr>
+        <p:cNvPr id="1" name=""/>
+        <p:cNvGrpSpPr/>
+        <p:nvPr/>
+      </p:nvGrpSpPr>
+      <p:grpSpPr>
+        <a:xfrm>
+          <a:off x="0" y="0"/>
+          <a:ext cx="0" cy="0"/>
+          <a:chOff x="0" y="0"/>
+          <a:chExt cx="0" cy="0"/>
+        </a:xfrm>
+      </p:grpSpPr>
+      <p:sp>
+        <p:nvSpPr>
+          <p:cNvPr id="2" name="Title 1"/>
+          <p:cNvSpPr>
+            <a:spLocks noGrp="1"/>
+          </p:cNvSpPr>
+          <p:nvPr>
+            <p:ph type="title"/>
+          </p:nvPr>
+        </p:nvSpPr>
+        <p:spPr/>
+        <p:txBody>
+          <a:bodyPr/>
+          <a:lstStyle/>
+          <a:p>
+            <a:pPr lvl="0" indent="0" marL="0">
+              <a:buNone/>
+            </a:pPr>
+            <a:r>
+              <a:rPr/>
+              <a:t>Algunas con licenciamiento:</a:t>
+            </a:r>
+          </a:p>
+        </p:txBody>
+      </p:sp>
+      <p:pic>
+        <p:nvPicPr>
+          <p:cNvPr descr="fig:  imagen/SPSS.jfif" id="0" name="Picture 1"/>
+          <p:cNvPicPr>
+            <a:picLocks noGrp="1" noChangeAspect="1"/>
+          </p:cNvPicPr>
+          <p:nvPr/>
+        </p:nvPicPr>
+        <p:blipFill>
+          <a:blip r:embed="rId2"/>
+          <a:stretch>
+            <a:fillRect/>
+          </a:stretch>
+        </p:blipFill>
+        <p:spPr bwMode="auto">
+          <a:xfrm>
+            <a:off x="4254500" y="1816100"/>
+            <a:ext cx="3683000" cy="3835400"/>
+          </a:xfrm>
+          <a:prstGeom prst="rect">
+            <a:avLst/>
+          </a:prstGeom>
+          <a:noFill/>
+          <a:ln w="9525">
+            <a:noFill/>
+            <a:headEnd/>
+            <a:tailEnd/>
+          </a:ln>
+        </p:spPr>
+      </p:pic>
+      <p:sp>
+        <p:nvSpPr>
+          <p:cNvPr id="1" name="TextBox 3"/>
+          <p:cNvSpPr txBox="1"/>
+          <p:nvPr/>
+        </p:nvSpPr>
+        <p:spPr>
+          <a:xfrm>
+            <a:off x="838200" y="5651500"/>
+            <a:ext cx="10515600" cy="508000"/>
+          </a:xfrm>
+          <a:prstGeom prst="rect">
+            <a:avLst/>
+          </a:prstGeom>
+          <a:noFill/>
+        </p:spPr>
+        <p:txBody>
+          <a:bodyPr/>
+          <a:lstStyle/>
+          <a:p>
+            <a:pPr lvl="0" indent="0" marL="0" algn="ctr">
+              <a:buNone/>
+            </a:pPr>
+            <a:r>
+              <a:rPr/>
+              <a:t>SPSS URL = https://www.ibm.com/products/spss-statistics</a:t>
+            </a:r>
+          </a:p>
+        </p:txBody>
+      </p:sp>
+    </p:spTree>
+  </p:cSld>
+</p:sld>
+</file>
+
+<file path=ppt/slides/slide16.xml><?xml version="1.0" encoding="utf-8"?>
+<p:sld xmlns:a="http://schemas.openxmlformats.org/drawingml/2006/main" xmlns:r="http://schemas.openxmlformats.org/officeDocument/2006/relationships" xmlns:p="http://schemas.openxmlformats.org/presentationml/2006/main">
+  <p:cSld>
+    <p:spTree>
+      <p:nvGrpSpPr>
+        <p:cNvPr id="1" name=""/>
+        <p:cNvGrpSpPr/>
+        <p:nvPr/>
+      </p:nvGrpSpPr>
+      <p:grpSpPr>
+        <a:xfrm>
+          <a:off x="0" y="0"/>
+          <a:ext cx="0" cy="0"/>
+          <a:chOff x="0" y="0"/>
+          <a:chExt cx="0" cy="0"/>
+        </a:xfrm>
+      </p:grpSpPr>
+      <p:sp>
+        <p:nvSpPr>
+          <p:cNvPr id="2" name="Title 1"/>
+          <p:cNvSpPr>
+            <a:spLocks noGrp="1"/>
+          </p:cNvSpPr>
+          <p:nvPr>
+            <p:ph type="title"/>
+          </p:nvPr>
+        </p:nvSpPr>
+        <p:spPr/>
+        <p:txBody>
+          <a:bodyPr/>
+          <a:lstStyle/>
+          <a:p>
+            <a:pPr lvl="0" indent="0" marL="0">
+              <a:buNone/>
+            </a:pPr>
+            <a:r>
+              <a:rPr/>
+              <a:t>Algunas con licenciamiento:</a:t>
+            </a:r>
+          </a:p>
+        </p:txBody>
+      </p:sp>
+      <p:pic>
+        <p:nvPicPr>
+          <p:cNvPr descr="fig:  imagen/STATA.png" id="0" name="Picture 1"/>
+          <p:cNvPicPr>
+            <a:picLocks noGrp="1" noChangeAspect="1"/>
+          </p:cNvPicPr>
+          <p:nvPr/>
+        </p:nvPicPr>
+        <p:blipFill>
+          <a:blip r:embed="rId2"/>
+          <a:stretch>
+            <a:fillRect/>
+          </a:stretch>
+        </p:blipFill>
+        <p:spPr bwMode="auto">
+          <a:xfrm>
+            <a:off x="838200" y="2540000"/>
+            <a:ext cx="10515600" cy="2400300"/>
+          </a:xfrm>
+          <a:prstGeom prst="rect">
+            <a:avLst/>
+          </a:prstGeom>
+          <a:noFill/>
+          <a:ln w="9525">
+            <a:noFill/>
+            <a:headEnd/>
+            <a:tailEnd/>
+          </a:ln>
+        </p:spPr>
+      </p:pic>
+      <p:sp>
+        <p:nvSpPr>
+          <p:cNvPr id="1" name="TextBox 3"/>
+          <p:cNvSpPr txBox="1"/>
+          <p:nvPr/>
+        </p:nvSpPr>
+        <p:spPr>
+          <a:xfrm>
+            <a:off x="838200" y="5651500"/>
+            <a:ext cx="10515600" cy="508000"/>
+          </a:xfrm>
+          <a:prstGeom prst="rect">
+            <a:avLst/>
+          </a:prstGeom>
+          <a:noFill/>
+        </p:spPr>
+        <p:txBody>
+          <a:bodyPr/>
+          <a:lstStyle/>
+          <a:p>
+            <a:pPr lvl="0" indent="0" marL="0" algn="ctr">
+              <a:buNone/>
+            </a:pPr>
+            <a:r>
+              <a:rPr/>
+              <a:t>STATA URL = https://stata.softonic.com/</a:t>
+            </a:r>
+          </a:p>
+        </p:txBody>
+      </p:sp>
+    </p:spTree>
+  </p:cSld>
+</p:sld>
+</file>
+
+<file path=ppt/slides/slide17.xml><?xml version="1.0" encoding="utf-8"?>
+<p:sld xmlns:a="http://schemas.openxmlformats.org/drawingml/2006/main" xmlns:r="http://schemas.openxmlformats.org/officeDocument/2006/relationships" xmlns:p="http://schemas.openxmlformats.org/presentationml/2006/main">
+  <p:cSld>
+    <p:spTree>
+      <p:nvGrpSpPr>
+        <p:cNvPr id="1" name=""/>
+        <p:cNvGrpSpPr/>
+        <p:nvPr/>
+      </p:nvGrpSpPr>
+      <p:grpSpPr>
+        <a:xfrm>
+          <a:off x="0" y="0"/>
+          <a:ext cx="0" cy="0"/>
+          <a:chOff x="0" y="0"/>
+          <a:chExt cx="0" cy="0"/>
+        </a:xfrm>
+      </p:grpSpPr>
+      <p:sp>
+        <p:nvSpPr>
+          <p:cNvPr id="2" name="Title 1"/>
+          <p:cNvSpPr>
+            <a:spLocks noGrp="1"/>
+          </p:cNvSpPr>
+          <p:nvPr>
+            <p:ph type="title"/>
+          </p:nvPr>
+        </p:nvSpPr>
+        <p:spPr/>
+        <p:txBody>
+          <a:bodyPr/>
+          <a:lstStyle/>
+          <a:p>
+            <a:pPr lvl="0" indent="0" marL="0">
+              <a:buNone/>
+            </a:pPr>
+            <a:r>
+              <a:rPr/>
+              <a:t>Algunas con licenciamiento:</a:t>
+            </a:r>
+          </a:p>
+        </p:txBody>
+      </p:sp>
+      <p:pic>
+        <p:nvPicPr>
+          <p:cNvPr descr="fig:  imagen/SAS_logo.svg.png" id="0" name="Picture 1"/>
+          <p:cNvPicPr>
+            <a:picLocks noGrp="1" noChangeAspect="1"/>
+          </p:cNvPicPr>
+          <p:nvPr/>
+        </p:nvPicPr>
+        <p:blipFill>
+          <a:blip r:embed="rId2"/>
+          <a:stretch>
+            <a:fillRect/>
+          </a:stretch>
+        </p:blipFill>
+        <p:spPr bwMode="auto">
+          <a:xfrm>
+            <a:off x="1422400" y="1816100"/>
+            <a:ext cx="9347200" cy="3835400"/>
+          </a:xfrm>
+          <a:prstGeom prst="rect">
+            <a:avLst/>
+          </a:prstGeom>
+          <a:noFill/>
+          <a:ln w="9525">
+            <a:noFill/>
+            <a:headEnd/>
+            <a:tailEnd/>
+          </a:ln>
+        </p:spPr>
+      </p:pic>
+      <p:sp>
+        <p:nvSpPr>
+          <p:cNvPr id="1" name="TextBox 3"/>
+          <p:cNvSpPr txBox="1"/>
+          <p:nvPr/>
+        </p:nvSpPr>
+        <p:spPr>
+          <a:xfrm>
+            <a:off x="838200" y="5651500"/>
+            <a:ext cx="10515600" cy="508000"/>
+          </a:xfrm>
+          <a:prstGeom prst="rect">
+            <a:avLst/>
+          </a:prstGeom>
+          <a:noFill/>
+        </p:spPr>
+        <p:txBody>
+          <a:bodyPr/>
+          <a:lstStyle/>
+          <a:p>
+            <a:pPr lvl="0" indent="0" marL="0" algn="ctr">
+              <a:buNone/>
+            </a:pPr>
+            <a:r>
+              <a:rPr/>
+              <a:t>SAS URL = https://www.sas.com/es_mx/software/on-demand-for-academics.html</a:t>
+            </a:r>
+          </a:p>
+        </p:txBody>
+      </p:sp>
+    </p:spTree>
+  </p:cSld>
+</p:sld>
+</file>
+
+<file path=ppt/slides/slide18.xml><?xml version="1.0" encoding="utf-8"?>
+<p:sld xmlns:a="http://schemas.openxmlformats.org/drawingml/2006/main" xmlns:r="http://schemas.openxmlformats.org/officeDocument/2006/relationships" xmlns:p="http://schemas.openxmlformats.org/presentationml/2006/main">
+  <p:cSld>
+    <p:spTree>
+      <p:nvGrpSpPr>
+        <p:cNvPr id="1" name=""/>
+        <p:cNvGrpSpPr/>
+        <p:nvPr/>
+      </p:nvGrpSpPr>
+      <p:grpSpPr>
+        <a:xfrm>
+          <a:off x="0" y="0"/>
+          <a:ext cx="0" cy="0"/>
+          <a:chOff x="0" y="0"/>
+          <a:chExt cx="0" cy="0"/>
+        </a:xfrm>
+      </p:grpSpPr>
+      <p:sp>
+        <p:nvSpPr>
+          <p:cNvPr id="2" name="Title 1"/>
+          <p:cNvSpPr>
+            <a:spLocks noGrp="1"/>
+          </p:cNvSpPr>
+          <p:nvPr>
+            <p:ph type="title"/>
+          </p:nvPr>
+        </p:nvSpPr>
+        <p:spPr/>
+        <p:txBody>
+          <a:bodyPr/>
+          <a:lstStyle/>
+          <a:p>
+            <a:pPr lvl="0" indent="0" marL="0">
+              <a:buNone/>
+            </a:pPr>
+            <a:r>
+              <a:rPr/>
+              <a:t>¿ Un programador puede ser analista de datos?</a:t>
+            </a:r>
+          </a:p>
+        </p:txBody>
+      </p:sp>
+      <p:sp>
+        <p:nvSpPr>
+          <p:cNvPr id="3" name="Content Placeholder 2"/>
+          <p:cNvSpPr>
+            <a:spLocks noGrp="1"/>
+          </p:cNvSpPr>
+          <p:nvPr>
+            <p:ph idx="1"/>
+          </p:nvPr>
+        </p:nvSpPr>
+        <p:spPr/>
+        <p:txBody>
+          <a:bodyPr/>
+          <a:lstStyle/>
+          <a:p>
+            <a:pPr lvl="0" indent="0" marL="0">
+              <a:buNone/>
+            </a:pPr>
+            <a:r>
+              <a:rPr b="1"/>
+              <a:t>El análisis de datos no está reservado únicamente para aquellos que estudian informática</a:t>
+            </a:r>
+            <a:r>
+              <a:rPr/>
+              <a:t>, sino por el contrario está dirigido a aquellos que quieren estudiar los distintos métodos de recopilación, procesamiento y análisis de datos, para que nos permita entender, interpretar y predecir fenómenos reales.</a:t>
+            </a:r>
+          </a:p>
+        </p:txBody>
+      </p:sp>
+    </p:spTree>
+  </p:cSld>
+</p:sld>
+</file>
+
 <file path=ppt/slides/slide2.xml><?xml version="1.0" encoding="utf-8"?>
 <p:sld xmlns:a="http://schemas.openxmlformats.org/drawingml/2006/main" xmlns:r="http://schemas.openxmlformats.org/officeDocument/2006/relationships" xmlns:p="http://schemas.openxmlformats.org/presentationml/2006/main">
   <p:cSld>
@@ -4621,6 +5538,177 @@
           </a:p>
         </p:txBody>
       </p:sp>
+    </p:spTree>
+  </p:cSld>
+</p:sld>
+</file>
+
+<file path=ppt/slides/slide8.xml><?xml version="1.0" encoding="utf-8"?>
+<p:sld xmlns:a="http://schemas.openxmlformats.org/drawingml/2006/main" xmlns:r="http://schemas.openxmlformats.org/officeDocument/2006/relationships" xmlns:p="http://schemas.openxmlformats.org/presentationml/2006/main">
+  <p:cSld>
+    <p:spTree>
+      <p:nvGrpSpPr>
+        <p:cNvPr id="1" name=""/>
+        <p:cNvGrpSpPr/>
+        <p:nvPr/>
+      </p:nvGrpSpPr>
+      <p:grpSpPr>
+        <a:xfrm>
+          <a:off x="0" y="0"/>
+          <a:ext cx="0" cy="0"/>
+          <a:chOff x="0" y="0"/>
+          <a:chExt cx="0" cy="0"/>
+        </a:xfrm>
+      </p:grpSpPr>
+      <p:sp>
+        <p:nvSpPr>
+          <p:cNvPr id="2" name="Title 1"/>
+          <p:cNvSpPr>
+            <a:spLocks noGrp="1"/>
+          </p:cNvSpPr>
+          <p:nvPr>
+            <p:ph type="title"/>
+          </p:nvPr>
+        </p:nvSpPr>
+        <p:spPr/>
+        <p:txBody>
+          <a:bodyPr/>
+          <a:lstStyle/>
+          <a:p>
+            <a:pPr lvl="0" indent="0" marL="0">
+              <a:buNone/>
+            </a:pPr>
+            <a:r>
+              <a:rPr/>
+              <a:t>Primer Ejercicio</a:t>
+            </a:r>
+          </a:p>
+        </p:txBody>
+      </p:sp>
+      <p:graphicFrame>
+        <p:nvGraphicFramePr>
+          <p:cNvPr id="6" name="Content Placeholder 5"/>
+          <p:cNvGraphicFramePr>
+            <a:graphicFrameLocks noGrp="1"/>
+          </p:cNvGraphicFramePr>
+          <p:nvPr>
+            <p:ph idx="1"/>
+          </p:nvPr>
+        </p:nvGraphicFramePr>
+        <p:xfrm>
+          <a:off x="838200" y="1816100"/>
+          <a:ext cx="10515600" cy="4343400"/>
+        </p:xfrm>
+        <a:graphic>
+          <a:graphicData uri="http://schemas.openxmlformats.org/drawingml/2006/table">
+            <a:tbl>
+              <a:tblPr firstRow="0" bandRow="1">
+                <a:tableStyleId>{5C22544A-7EE6-4342-B048-85BDC9FD1C3A}</a:tableStyleId>
+              </a:tblPr>
+              <a:tblGrid>
+                <a:gridCol w="5257800"/>
+                <a:gridCol w="5257800"/>
+              </a:tblGrid>
+              <a:tr h="0">
+                <a:tc>
+                  <a:txBody>
+                    <a:bodyPr/>
+                    <a:lstStyle/>
+                    <a:p>
+                      <a:pPr lvl="0" indent="0" marL="0">
+                        <a:buNone/>
+                      </a:pPr>
+                      <a:r>
+                        <a:rPr/>
+                        <a:t>Vamos a ir al lugar asignado a cada compañero de los que estamos en este curso, nos paramos 5 segundos máximo enfrente de cada escritorio, no abrimos nada solo observamos. Lo primero es que vamos a deshumanizar el lugar, hagamos de cuenta que no lo conocemos y que vamos a perfilar un lugar de un extraño, claro existe ya un sesgo previo al conocer al compañero, pero tal vez en este ejercicio notemos algo que habíamos pasado por alto.</a:t>
+                      </a:r>
+                    </a:p>
+                  </a:txBody>
+                </a:tc>
+                <a:tc>
+                  <a:txBody>
+                    <a:bodyPr/>
+                    <a:lstStyle/>
+                    <a:p>
+                      <a:pPr lvl="0"/>
+                      <a:r>
+                        <a:rPr/>
+                        <a:t>¿Es hombre o mujer quien se sienta en ese espacio actualmente?</a:t>
+                      </a:r>
+                    </a:p>
+                    <a:p>
+                      <a:pPr lvl="0"/>
+                      <a:r>
+                        <a:rPr/>
+                        <a:t>¿Es ordenado?</a:t>
+                      </a:r>
+                    </a:p>
+                    <a:p>
+                      <a:pPr lvl="0"/>
+                      <a:r>
+                        <a:rPr/>
+                        <a:t>¿Puede definir una personalidad?</a:t>
+                      </a:r>
+                    </a:p>
+                  </a:txBody>
+                </a:tc>
+              </a:tr>
+            </a:tbl>
+          </a:graphicData>
+        </a:graphic>
+      </p:graphicFrame>
+    </p:spTree>
+  </p:cSld>
+</p:sld>
+</file>
+
+<file path=ppt/slides/slide9.xml><?xml version="1.0" encoding="utf-8"?>
+<p:sld xmlns:a="http://schemas.openxmlformats.org/drawingml/2006/main" xmlns:r="http://schemas.openxmlformats.org/officeDocument/2006/relationships" xmlns:p="http://schemas.openxmlformats.org/presentationml/2006/main">
+  <p:cSld>
+    <p:spTree>
+      <p:nvGrpSpPr>
+        <p:cNvPr id="1" name=""/>
+        <p:cNvGrpSpPr/>
+        <p:nvPr/>
+      </p:nvGrpSpPr>
+      <p:grpSpPr>
+        <a:xfrm>
+          <a:off x="0" y="0"/>
+          <a:ext cx="0" cy="0"/>
+          <a:chOff x="0" y="0"/>
+          <a:chExt cx="0" cy="0"/>
+        </a:xfrm>
+      </p:grpSpPr>
+      <p:pic>
+        <p:nvPicPr>
+          <p:cNvPr descr="imagen/Ejercicio01.png" id="0" name="Picture 1"/>
+          <p:cNvPicPr>
+            <a:picLocks noGrp="1" noChangeAspect="1"/>
+          </p:cNvPicPr>
+          <p:nvPr/>
+        </p:nvPicPr>
+        <p:blipFill>
+          <a:blip r:embed="rId2"/>
+          <a:stretch>
+            <a:fillRect/>
+          </a:stretch>
+        </p:blipFill>
+        <p:spPr bwMode="auto">
+          <a:xfrm>
+            <a:off x="3924300" y="1816100"/>
+            <a:ext cx="4343400" cy="4343400"/>
+          </a:xfrm>
+          <a:prstGeom prst="rect">
+            <a:avLst/>
+          </a:prstGeom>
+          <a:noFill/>
+          <a:ln w="9525">
+            <a:noFill/>
+            <a:headEnd/>
+            <a:tailEnd/>
+          </a:ln>
+        </p:spPr>
+      </p:pic>
     </p:spTree>
   </p:cSld>
 </p:sld>

--- a/presentaciones/S01-New/00_Inicio.pptx
+++ b/presentaciones/S01-New/00_Inicio.pptx
@@ -23,6 +23,12 @@
     <p:sldId id="271" r:id="rId17"/>
     <p:sldId id="272" r:id="rId18"/>
     <p:sldId id="273" r:id="rId19"/>
+    <p:sldId id="274" r:id="rId20"/>
+    <p:sldId id="275" r:id="rId21"/>
+    <p:sldId id="276" r:id="rId22"/>
+    <p:sldId id="277" r:id="rId23"/>
+    <p:sldId id="278" r:id="rId24"/>
+    <p:sldId id="279" r:id="rId25"/>
   </p:sldIdLst>
   <p:sldSz cx="12192000" cy="6858000"/>
   <p:notesSz cx="6858000" cy="9144000"/>
@@ -5128,7 +5134,7 @@
             </a:pPr>
             <a:r>
               <a:rPr/>
-              <a:t>¿ Un programador puede ser analista de datos?</a:t>
+              <a:t>¿Quien puede ser analista de datos?</a:t>
             </a:r>
           </a:p>
         </p:txBody>
@@ -5158,6 +5164,91 @@
             <a:r>
               <a:rPr/>
               <a:t>, sino por el contrario está dirigido a aquellos que quieren estudiar los distintos métodos de recopilación, procesamiento y análisis de datos, para que nos permita entender, interpretar y predecir fenómenos reales.</a:t>
+            </a:r>
+          </a:p>
+        </p:txBody>
+      </p:sp>
+    </p:spTree>
+  </p:cSld>
+</p:sld>
+</file>
+
+<file path=ppt/slides/slide19.xml><?xml version="1.0" encoding="utf-8"?>
+<p:sld xmlns:a="http://schemas.openxmlformats.org/drawingml/2006/main" xmlns:r="http://schemas.openxmlformats.org/officeDocument/2006/relationships" xmlns:p="http://schemas.openxmlformats.org/presentationml/2006/main">
+  <p:cSld>
+    <p:spTree>
+      <p:nvGrpSpPr>
+        <p:cNvPr id="1" name=""/>
+        <p:cNvGrpSpPr/>
+        <p:nvPr/>
+      </p:nvGrpSpPr>
+      <p:grpSpPr>
+        <a:xfrm>
+          <a:off x="0" y="0"/>
+          <a:ext cx="0" cy="0"/>
+          <a:chOff x="0" y="0"/>
+          <a:chExt cx="0" cy="0"/>
+        </a:xfrm>
+      </p:grpSpPr>
+      <p:sp>
+        <p:nvSpPr>
+          <p:cNvPr id="2" name="Title 1"/>
+          <p:cNvSpPr>
+            <a:spLocks noGrp="1"/>
+          </p:cNvSpPr>
+          <p:nvPr>
+            <p:ph type="title"/>
+          </p:nvPr>
+        </p:nvSpPr>
+        <p:spPr/>
+        <p:txBody>
+          <a:bodyPr/>
+          <a:lstStyle/>
+          <a:p>
+            <a:pPr lvl="0" indent="0" marL="0">
+              <a:buNone/>
+            </a:pPr>
+            <a:r>
+              <a:rPr/>
+              <a:t>Fase I</a:t>
+            </a:r>
+          </a:p>
+        </p:txBody>
+      </p:sp>
+      <p:sp>
+        <p:nvSpPr>
+          <p:cNvPr id="3" name="Content Placeholder 2"/>
+          <p:cNvSpPr>
+            <a:spLocks noGrp="1"/>
+          </p:cNvSpPr>
+          <p:nvPr>
+            <p:ph idx="1"/>
+          </p:nvPr>
+        </p:nvSpPr>
+        <p:spPr/>
+        <p:txBody>
+          <a:bodyPr/>
+          <a:lstStyle/>
+          <a:p>
+            <a:pPr lvl="0" indent="0" marL="0">
+              <a:buNone/>
+            </a:pPr>
+            <a:r>
+              <a:rPr b="1"/>
+              <a:t>Aprenderemos lo básico</a:t>
+            </a:r>
+            <a:r>
+              <a:rPr/>
+              <a:t>, desde instalar, desinstalar el programa, actualizarlo, ver la interfase presentar y comenzar a aprender la utilización de las hojas de trucos.</a:t>
+            </a:r>
+          </a:p>
+          <a:p>
+            <a:pPr lvl="0" indent="0" marL="0">
+              <a:buNone/>
+            </a:pPr>
+            <a:r>
+              <a:rPr/>
+              <a:t>Veremos como se dividen los datos, desde su base hasta sus modelos más complejos, desde allí comenzaremos con pequeñas prácticas de análisis sencillas, como uno mas uno es igual a dos y así ir poniendo complejidad de una manera escalar y comprensible.</a:t>
             </a:r>
           </a:p>
         </p:txBody>
@@ -5227,6 +5318,387 @@
           <a:xfrm>
             <a:off x="2590800" y="1816100"/>
             <a:ext cx="7010400" cy="4343400"/>
+          </a:xfrm>
+          <a:prstGeom prst="rect">
+            <a:avLst/>
+          </a:prstGeom>
+          <a:noFill/>
+          <a:ln w="9525">
+            <a:noFill/>
+            <a:headEnd/>
+            <a:tailEnd/>
+          </a:ln>
+        </p:spPr>
+      </p:pic>
+    </p:spTree>
+  </p:cSld>
+</p:sld>
+</file>
+
+<file path=ppt/slides/slide20.xml><?xml version="1.0" encoding="utf-8"?>
+<p:sld xmlns:a="http://schemas.openxmlformats.org/drawingml/2006/main" xmlns:r="http://schemas.openxmlformats.org/officeDocument/2006/relationships" xmlns:p="http://schemas.openxmlformats.org/presentationml/2006/main">
+  <p:cSld>
+    <p:spTree>
+      <p:nvGrpSpPr>
+        <p:cNvPr id="1" name=""/>
+        <p:cNvGrpSpPr/>
+        <p:nvPr/>
+      </p:nvGrpSpPr>
+      <p:grpSpPr>
+        <a:xfrm>
+          <a:off x="0" y="0"/>
+          <a:ext cx="0" cy="0"/>
+          <a:chOff x="0" y="0"/>
+          <a:chExt cx="0" cy="0"/>
+        </a:xfrm>
+      </p:grpSpPr>
+      <p:sp>
+        <p:nvSpPr>
+          <p:cNvPr id="2" name="Title 1"/>
+          <p:cNvSpPr>
+            <a:spLocks noGrp="1"/>
+          </p:cNvSpPr>
+          <p:nvPr>
+            <p:ph type="title"/>
+          </p:nvPr>
+        </p:nvSpPr>
+        <p:spPr/>
+        <p:txBody>
+          <a:bodyPr/>
+          <a:lstStyle/>
+          <a:p>
+            <a:pPr lvl="0" indent="0" marL="0">
+              <a:buNone/>
+            </a:pPr>
+            <a:r>
+              <a:rPr/>
+              <a:t>Fase II</a:t>
+            </a:r>
+          </a:p>
+        </p:txBody>
+      </p:sp>
+      <p:sp>
+        <p:nvSpPr>
+          <p:cNvPr id="3" name="Content Placeholder 2"/>
+          <p:cNvSpPr>
+            <a:spLocks noGrp="1"/>
+          </p:cNvSpPr>
+          <p:nvPr>
+            <p:ph idx="1"/>
+          </p:nvPr>
+        </p:nvSpPr>
+        <p:spPr/>
+        <p:txBody>
+          <a:bodyPr/>
+          <a:lstStyle/>
+          <a:p>
+            <a:pPr lvl="0" indent="0" marL="0">
+              <a:buNone/>
+            </a:pPr>
+            <a:r>
+              <a:rPr b="1"/>
+              <a:t>Domado de Datos</a:t>
+            </a:r>
+            <a:r>
+              <a:rPr/>
+              <a:t>, esta es un área compleja ya que nos dará la capacidad de extraer, transformar y cargar los datos desde cualquier fuente, ya sea interna o externa. Aquí se queda la mayoría de las personas acorde a mi experiencia, sin embargo, no podemos darnos este lujo por lo que está será la fase mas larga y delicada de todo este proceso.</a:t>
+            </a:r>
+          </a:p>
+        </p:txBody>
+      </p:sp>
+    </p:spTree>
+  </p:cSld>
+</p:sld>
+</file>
+
+<file path=ppt/slides/slide21.xml><?xml version="1.0" encoding="utf-8"?>
+<p:sld xmlns:a="http://schemas.openxmlformats.org/drawingml/2006/main" xmlns:r="http://schemas.openxmlformats.org/officeDocument/2006/relationships" xmlns:p="http://schemas.openxmlformats.org/presentationml/2006/main">
+  <p:cSld>
+    <p:spTree>
+      <p:nvGrpSpPr>
+        <p:cNvPr id="1" name=""/>
+        <p:cNvGrpSpPr/>
+        <p:nvPr/>
+      </p:nvGrpSpPr>
+      <p:grpSpPr>
+        <a:xfrm>
+          <a:off x="0" y="0"/>
+          <a:ext cx="0" cy="0"/>
+          <a:chOff x="0" y="0"/>
+          <a:chExt cx="0" cy="0"/>
+        </a:xfrm>
+      </p:grpSpPr>
+      <p:sp>
+        <p:nvSpPr>
+          <p:cNvPr id="2" name="Title 1"/>
+          <p:cNvSpPr>
+            <a:spLocks noGrp="1"/>
+          </p:cNvSpPr>
+          <p:nvPr>
+            <p:ph type="title"/>
+          </p:nvPr>
+        </p:nvSpPr>
+        <p:spPr/>
+        <p:txBody>
+          <a:bodyPr/>
+          <a:lstStyle/>
+          <a:p>
+            <a:pPr lvl="0" indent="0" marL="0">
+              <a:buNone/>
+            </a:pPr>
+            <a:r>
+              <a:rPr/>
+              <a:t>Fase III</a:t>
+            </a:r>
+          </a:p>
+        </p:txBody>
+      </p:sp>
+      <p:sp>
+        <p:nvSpPr>
+          <p:cNvPr id="3" name="Content Placeholder 2"/>
+          <p:cNvSpPr>
+            <a:spLocks noGrp="1"/>
+          </p:cNvSpPr>
+          <p:nvPr>
+            <p:ph idx="1"/>
+          </p:nvPr>
+        </p:nvSpPr>
+        <p:spPr/>
+        <p:txBody>
+          <a:bodyPr/>
+          <a:lstStyle/>
+          <a:p>
+            <a:pPr lvl="0" indent="0" marL="0">
+              <a:buNone/>
+            </a:pPr>
+            <a:r>
+              <a:rPr b="1"/>
+              <a:t>Visualización de los datos</a:t>
+            </a:r>
+            <a:r>
+              <a:rPr/>
+              <a:t>, tomaremos nuestra primera introducción a los modelos estadísticos y de que forma aplicar las geometrías primero para nuestro uso, segundo para elaborar un proyecto y tercero para presentación al cliente final.</a:t>
+            </a:r>
+          </a:p>
+        </p:txBody>
+      </p:sp>
+    </p:spTree>
+  </p:cSld>
+</p:sld>
+</file>
+
+<file path=ppt/slides/slide22.xml><?xml version="1.0" encoding="utf-8"?>
+<p:sld xmlns:a="http://schemas.openxmlformats.org/drawingml/2006/main" xmlns:r="http://schemas.openxmlformats.org/officeDocument/2006/relationships" xmlns:p="http://schemas.openxmlformats.org/presentationml/2006/main">
+  <p:cSld>
+    <p:spTree>
+      <p:nvGrpSpPr>
+        <p:cNvPr id="1" name=""/>
+        <p:cNvGrpSpPr/>
+        <p:nvPr/>
+      </p:nvGrpSpPr>
+      <p:grpSpPr>
+        <a:xfrm>
+          <a:off x="0" y="0"/>
+          <a:ext cx="0" cy="0"/>
+          <a:chOff x="0" y="0"/>
+          <a:chExt cx="0" cy="0"/>
+        </a:xfrm>
+      </p:grpSpPr>
+      <p:sp>
+        <p:nvSpPr>
+          <p:cNvPr id="2" name="Title 1"/>
+          <p:cNvSpPr>
+            <a:spLocks noGrp="1"/>
+          </p:cNvSpPr>
+          <p:nvPr>
+            <p:ph type="title"/>
+          </p:nvPr>
+        </p:nvSpPr>
+        <p:spPr/>
+        <p:txBody>
+          <a:bodyPr/>
+          <a:lstStyle/>
+          <a:p>
+            <a:pPr lvl="0" indent="0" marL="0">
+              <a:buNone/>
+            </a:pPr>
+            <a:r>
+              <a:rPr/>
+              <a:t>Fase IV</a:t>
+            </a:r>
+          </a:p>
+        </p:txBody>
+      </p:sp>
+      <p:sp>
+        <p:nvSpPr>
+          <p:cNvPr id="3" name="Content Placeholder 2"/>
+          <p:cNvSpPr>
+            <a:spLocks noGrp="1"/>
+          </p:cNvSpPr>
+          <p:nvPr>
+            <p:ph idx="1"/>
+          </p:nvPr>
+        </p:nvSpPr>
+        <p:spPr/>
+        <p:txBody>
+          <a:bodyPr/>
+          <a:lstStyle/>
+          <a:p>
+            <a:pPr lvl="0" indent="0" marL="0">
+              <a:buNone/>
+            </a:pPr>
+            <a:r>
+              <a:rPr b="1"/>
+              <a:t>Estadística</a:t>
+            </a:r>
+            <a:r>
+              <a:rPr/>
+              <a:t>, veremos los términos, leyes y todo lo referente a modelos predictivos, regresiones lineares, paradojas, distribuciones normales, bimodales, multimodales y de poisson.</a:t>
+            </a:r>
+          </a:p>
+        </p:txBody>
+      </p:sp>
+    </p:spTree>
+  </p:cSld>
+</p:sld>
+</file>
+
+<file path=ppt/slides/slide23.xml><?xml version="1.0" encoding="utf-8"?>
+<p:sld xmlns:a="http://schemas.openxmlformats.org/drawingml/2006/main" xmlns:r="http://schemas.openxmlformats.org/officeDocument/2006/relationships" xmlns:p="http://schemas.openxmlformats.org/presentationml/2006/main">
+  <p:cSld>
+    <p:spTree>
+      <p:nvGrpSpPr>
+        <p:cNvPr id="1" name=""/>
+        <p:cNvGrpSpPr/>
+        <p:nvPr/>
+      </p:nvGrpSpPr>
+      <p:grpSpPr>
+        <a:xfrm>
+          <a:off x="0" y="0"/>
+          <a:ext cx="0" cy="0"/>
+          <a:chOff x="0" y="0"/>
+          <a:chExt cx="0" cy="0"/>
+        </a:xfrm>
+      </p:grpSpPr>
+      <p:sp>
+        <p:nvSpPr>
+          <p:cNvPr id="2" name="Title 1"/>
+          <p:cNvSpPr>
+            <a:spLocks noGrp="1"/>
+          </p:cNvSpPr>
+          <p:nvPr>
+            <p:ph type="title"/>
+          </p:nvPr>
+        </p:nvSpPr>
+        <p:spPr/>
+        <p:txBody>
+          <a:bodyPr/>
+          <a:lstStyle/>
+          <a:p>
+            <a:pPr lvl="0" indent="0" marL="0">
+              <a:buNone/>
+            </a:pPr>
+            <a:r>
+              <a:rPr/>
+              <a:t>Fase V</a:t>
+            </a:r>
+          </a:p>
+        </p:txBody>
+      </p:sp>
+      <p:sp>
+        <p:nvSpPr>
+          <p:cNvPr id="3" name="Content Placeholder 2"/>
+          <p:cNvSpPr>
+            <a:spLocks noGrp="1"/>
+          </p:cNvSpPr>
+          <p:nvPr>
+            <p:ph idx="1"/>
+          </p:nvPr>
+        </p:nvSpPr>
+        <p:spPr/>
+        <p:txBody>
+          <a:bodyPr/>
+          <a:lstStyle/>
+          <a:p>
+            <a:pPr lvl="0" indent="0" marL="0">
+              <a:buNone/>
+            </a:pPr>
+            <a:r>
+              <a:rPr b="1"/>
+              <a:t>Algoritmos</a:t>
+            </a:r>
+            <a:r>
+              <a:rPr/>
+              <a:t>, machine y Deep Learning, aplicación de inteligencia artificial para el análisis de los datos.</a:t>
+            </a:r>
+          </a:p>
+        </p:txBody>
+      </p:sp>
+    </p:spTree>
+  </p:cSld>
+</p:sld>
+</file>
+
+<file path=ppt/slides/slide24.xml><?xml version="1.0" encoding="utf-8"?>
+<p:sld xmlns:a="http://schemas.openxmlformats.org/drawingml/2006/main" xmlns:r="http://schemas.openxmlformats.org/officeDocument/2006/relationships" xmlns:p="http://schemas.openxmlformats.org/presentationml/2006/main">
+  <p:cSld>
+    <p:spTree>
+      <p:nvGrpSpPr>
+        <p:cNvPr id="1" name=""/>
+        <p:cNvGrpSpPr/>
+        <p:nvPr/>
+      </p:nvGrpSpPr>
+      <p:grpSpPr>
+        <a:xfrm>
+          <a:off x="0" y="0"/>
+          <a:ext cx="0" cy="0"/>
+          <a:chOff x="0" y="0"/>
+          <a:chExt cx="0" cy="0"/>
+        </a:xfrm>
+      </p:grpSpPr>
+      <p:sp>
+        <p:nvSpPr>
+          <p:cNvPr id="2" name="Title 1"/>
+          <p:cNvSpPr>
+            <a:spLocks noGrp="1"/>
+          </p:cNvSpPr>
+          <p:nvPr>
+            <p:ph type="title"/>
+          </p:nvPr>
+        </p:nvSpPr>
+        <p:spPr/>
+        <p:txBody>
+          <a:bodyPr/>
+          <a:lstStyle/>
+          <a:p>
+            <a:pPr lvl="0" indent="0" marL="0">
+              <a:buNone/>
+            </a:pPr>
+            <a:r>
+              <a:rPr/>
+              <a:t>FIN DE PRESENTACION</a:t>
+            </a:r>
+          </a:p>
+        </p:txBody>
+      </p:sp>
+      <p:pic>
+        <p:nvPicPr>
+          <p:cNvPr descr="imagen/Analisis2.jfif" id="0" name="Picture 1"/>
+          <p:cNvPicPr>
+            <a:picLocks noGrp="1" noChangeAspect="1"/>
+          </p:cNvPicPr>
+          <p:nvPr/>
+        </p:nvPicPr>
+        <p:blipFill>
+          <a:blip r:embed="rId2"/>
+          <a:stretch>
+            <a:fillRect/>
+          </a:stretch>
+        </p:blipFill>
+        <p:spPr bwMode="auto">
+          <a:xfrm>
+            <a:off x="2832100" y="1816100"/>
+            <a:ext cx="6527800" cy="4343400"/>
           </a:xfrm>
           <a:prstGeom prst="rect">
             <a:avLst/>
